--- a/linear/fig/fig.pptx
+++ b/linear/fig/fig.pptx
@@ -6,6 +6,7 @@
   </p:sldMasterIdLst>
   <p:sldIdLst>
     <p:sldId id="256" r:id="rId2"/>
+    <p:sldId id="257" r:id="rId3"/>
   </p:sldIdLst>
   <p:sldSz cx="12192000" cy="6858000"/>
   <p:notesSz cx="6858000" cy="9144000"/>
@@ -154,10 +155,9 @@
           </a:lstStyle>
           <a:p>
             <a:r>
-              <a:rPr kumimoji="1" lang="ja-JP" altLang="en-US" smtClean="0"/>
+              <a:rPr kumimoji="1" lang="ja-JP" altLang="en-US"/>
               <a:t>マスター タイトルの書式設定</a:t>
             </a:r>
-            <a:endParaRPr kumimoji="1" lang="ja-JP" altLang="en-US"/>
           </a:p>
         </p:txBody>
       </p:sp>
@@ -219,10 +219,9 @@
           </a:lstStyle>
           <a:p>
             <a:r>
-              <a:rPr kumimoji="1" lang="ja-JP" altLang="en-US" smtClean="0"/>
+              <a:rPr kumimoji="1" lang="ja-JP" altLang="en-US"/>
               <a:t>マスター サブタイトルの書式設定</a:t>
             </a:r>
-            <a:endParaRPr kumimoji="1" lang="ja-JP" altLang="en-US"/>
           </a:p>
         </p:txBody>
       </p:sp>
@@ -243,7 +242,7 @@
           <a:p>
             <a:fld id="{2EC0F021-7DFD-498D-BCE3-EE303F1D4C84}" type="datetimeFigureOut">
               <a:rPr kumimoji="1" lang="ja-JP" altLang="en-US" smtClean="0"/>
-              <a:t>2019/5/6</a:t>
+              <a:t>2019/5/7</a:t>
             </a:fld>
             <a:endParaRPr kumimoji="1" lang="ja-JP" altLang="en-US"/>
           </a:p>
@@ -337,10 +336,9 @@
           <a:lstStyle/>
           <a:p>
             <a:r>
-              <a:rPr kumimoji="1" lang="ja-JP" altLang="en-US" smtClean="0"/>
+              <a:rPr kumimoji="1" lang="ja-JP" altLang="en-US"/>
               <a:t>マスター タイトルの書式設定</a:t>
             </a:r>
-            <a:endParaRPr kumimoji="1" lang="ja-JP" altLang="en-US"/>
           </a:p>
         </p:txBody>
       </p:sp>
@@ -361,70 +359,69 @@
           <a:p>
             <a:pPr lvl="0"/>
             <a:r>
-              <a:rPr kumimoji="1" lang="ja-JP" altLang="en-US" smtClean="0"/>
+              <a:rPr kumimoji="1" lang="ja-JP" altLang="en-US"/>
               <a:t>マスター テキストの書式設定</a:t>
             </a:r>
           </a:p>
           <a:p>
             <a:pPr lvl="1"/>
             <a:r>
-              <a:rPr kumimoji="1" lang="ja-JP" altLang="en-US" smtClean="0"/>
+              <a:rPr kumimoji="1" lang="ja-JP" altLang="en-US"/>
               <a:t>第 </a:t>
             </a:r>
             <a:r>
-              <a:rPr kumimoji="1" lang="en-US" altLang="ja-JP" smtClean="0"/>
+              <a:rPr kumimoji="1" lang="en-US" altLang="ja-JP"/>
               <a:t>2 </a:t>
             </a:r>
             <a:r>
-              <a:rPr kumimoji="1" lang="ja-JP" altLang="en-US" smtClean="0"/>
+              <a:rPr kumimoji="1" lang="ja-JP" altLang="en-US"/>
               <a:t>レベル</a:t>
             </a:r>
           </a:p>
           <a:p>
             <a:pPr lvl="2"/>
             <a:r>
-              <a:rPr kumimoji="1" lang="ja-JP" altLang="en-US" smtClean="0"/>
+              <a:rPr kumimoji="1" lang="ja-JP" altLang="en-US"/>
               <a:t>第 </a:t>
             </a:r>
             <a:r>
-              <a:rPr kumimoji="1" lang="en-US" altLang="ja-JP" smtClean="0"/>
+              <a:rPr kumimoji="1" lang="en-US" altLang="ja-JP"/>
               <a:t>3 </a:t>
             </a:r>
             <a:r>
-              <a:rPr kumimoji="1" lang="ja-JP" altLang="en-US" smtClean="0"/>
+              <a:rPr kumimoji="1" lang="ja-JP" altLang="en-US"/>
               <a:t>レベル</a:t>
             </a:r>
           </a:p>
           <a:p>
             <a:pPr lvl="3"/>
             <a:r>
-              <a:rPr kumimoji="1" lang="ja-JP" altLang="en-US" smtClean="0"/>
+              <a:rPr kumimoji="1" lang="ja-JP" altLang="en-US"/>
               <a:t>第 </a:t>
             </a:r>
             <a:r>
-              <a:rPr kumimoji="1" lang="en-US" altLang="ja-JP" smtClean="0"/>
+              <a:rPr kumimoji="1" lang="en-US" altLang="ja-JP"/>
               <a:t>4 </a:t>
             </a:r>
             <a:r>
-              <a:rPr kumimoji="1" lang="ja-JP" altLang="en-US" smtClean="0"/>
+              <a:rPr kumimoji="1" lang="ja-JP" altLang="en-US"/>
               <a:t>レベル</a:t>
             </a:r>
           </a:p>
           <a:p>
             <a:pPr lvl="4"/>
             <a:r>
-              <a:rPr kumimoji="1" lang="ja-JP" altLang="en-US" smtClean="0"/>
+              <a:rPr kumimoji="1" lang="ja-JP" altLang="en-US"/>
               <a:t>第 </a:t>
             </a:r>
             <a:r>
-              <a:rPr kumimoji="1" lang="en-US" altLang="ja-JP" smtClean="0"/>
+              <a:rPr kumimoji="1" lang="en-US" altLang="ja-JP"/>
               <a:t>5 </a:t>
             </a:r>
             <a:r>
-              <a:rPr kumimoji="1" lang="ja-JP" altLang="en-US" smtClean="0"/>
+              <a:rPr kumimoji="1" lang="ja-JP" altLang="en-US"/>
               <a:t>レベル</a:t>
             </a:r>
-            <a:endParaRPr kumimoji="1" lang="ja-JP" altLang="en-US"/>
           </a:p>
         </p:txBody>
       </p:sp>
@@ -445,7 +442,7 @@
           <a:p>
             <a:fld id="{2EC0F021-7DFD-498D-BCE3-EE303F1D4C84}" type="datetimeFigureOut">
               <a:rPr kumimoji="1" lang="ja-JP" altLang="en-US" smtClean="0"/>
-              <a:t>2019/5/6</a:t>
+              <a:t>2019/5/7</a:t>
             </a:fld>
             <a:endParaRPr kumimoji="1" lang="ja-JP" altLang="en-US"/>
           </a:p>
@@ -544,10 +541,9 @@
           <a:lstStyle/>
           <a:p>
             <a:r>
-              <a:rPr kumimoji="1" lang="ja-JP" altLang="en-US" smtClean="0"/>
+              <a:rPr kumimoji="1" lang="ja-JP" altLang="en-US"/>
               <a:t>マスター タイトルの書式設定</a:t>
             </a:r>
-            <a:endParaRPr kumimoji="1" lang="ja-JP" altLang="en-US"/>
           </a:p>
         </p:txBody>
       </p:sp>
@@ -573,70 +569,69 @@
           <a:p>
             <a:pPr lvl="0"/>
             <a:r>
-              <a:rPr kumimoji="1" lang="ja-JP" altLang="en-US" smtClean="0"/>
+              <a:rPr kumimoji="1" lang="ja-JP" altLang="en-US"/>
               <a:t>マスター テキストの書式設定</a:t>
             </a:r>
           </a:p>
           <a:p>
             <a:pPr lvl="1"/>
             <a:r>
-              <a:rPr kumimoji="1" lang="ja-JP" altLang="en-US" smtClean="0"/>
+              <a:rPr kumimoji="1" lang="ja-JP" altLang="en-US"/>
               <a:t>第 </a:t>
             </a:r>
             <a:r>
-              <a:rPr kumimoji="1" lang="en-US" altLang="ja-JP" smtClean="0"/>
+              <a:rPr kumimoji="1" lang="en-US" altLang="ja-JP"/>
               <a:t>2 </a:t>
             </a:r>
             <a:r>
-              <a:rPr kumimoji="1" lang="ja-JP" altLang="en-US" smtClean="0"/>
+              <a:rPr kumimoji="1" lang="ja-JP" altLang="en-US"/>
               <a:t>レベル</a:t>
             </a:r>
           </a:p>
           <a:p>
             <a:pPr lvl="2"/>
             <a:r>
-              <a:rPr kumimoji="1" lang="ja-JP" altLang="en-US" smtClean="0"/>
+              <a:rPr kumimoji="1" lang="ja-JP" altLang="en-US"/>
               <a:t>第 </a:t>
             </a:r>
             <a:r>
-              <a:rPr kumimoji="1" lang="en-US" altLang="ja-JP" smtClean="0"/>
+              <a:rPr kumimoji="1" lang="en-US" altLang="ja-JP"/>
               <a:t>3 </a:t>
             </a:r>
             <a:r>
-              <a:rPr kumimoji="1" lang="ja-JP" altLang="en-US" smtClean="0"/>
+              <a:rPr kumimoji="1" lang="ja-JP" altLang="en-US"/>
               <a:t>レベル</a:t>
             </a:r>
           </a:p>
           <a:p>
             <a:pPr lvl="3"/>
             <a:r>
-              <a:rPr kumimoji="1" lang="ja-JP" altLang="en-US" smtClean="0"/>
+              <a:rPr kumimoji="1" lang="ja-JP" altLang="en-US"/>
               <a:t>第 </a:t>
             </a:r>
             <a:r>
-              <a:rPr kumimoji="1" lang="en-US" altLang="ja-JP" smtClean="0"/>
+              <a:rPr kumimoji="1" lang="en-US" altLang="ja-JP"/>
               <a:t>4 </a:t>
             </a:r>
             <a:r>
-              <a:rPr kumimoji="1" lang="ja-JP" altLang="en-US" smtClean="0"/>
+              <a:rPr kumimoji="1" lang="ja-JP" altLang="en-US"/>
               <a:t>レベル</a:t>
             </a:r>
           </a:p>
           <a:p>
             <a:pPr lvl="4"/>
             <a:r>
-              <a:rPr kumimoji="1" lang="ja-JP" altLang="en-US" smtClean="0"/>
+              <a:rPr kumimoji="1" lang="ja-JP" altLang="en-US"/>
               <a:t>第 </a:t>
             </a:r>
             <a:r>
-              <a:rPr kumimoji="1" lang="en-US" altLang="ja-JP" smtClean="0"/>
+              <a:rPr kumimoji="1" lang="en-US" altLang="ja-JP"/>
               <a:t>5 </a:t>
             </a:r>
             <a:r>
-              <a:rPr kumimoji="1" lang="ja-JP" altLang="en-US" smtClean="0"/>
+              <a:rPr kumimoji="1" lang="ja-JP" altLang="en-US"/>
               <a:t>レベル</a:t>
             </a:r>
-            <a:endParaRPr kumimoji="1" lang="ja-JP" altLang="en-US"/>
           </a:p>
         </p:txBody>
       </p:sp>
@@ -657,7 +652,7 @@
           <a:p>
             <a:fld id="{2EC0F021-7DFD-498D-BCE3-EE303F1D4C84}" type="datetimeFigureOut">
               <a:rPr kumimoji="1" lang="ja-JP" altLang="en-US" smtClean="0"/>
-              <a:t>2019/5/6</a:t>
+              <a:t>2019/5/7</a:t>
             </a:fld>
             <a:endParaRPr kumimoji="1" lang="ja-JP" altLang="en-US"/>
           </a:p>
@@ -751,10 +746,9 @@
           <a:lstStyle/>
           <a:p>
             <a:r>
-              <a:rPr kumimoji="1" lang="ja-JP" altLang="en-US" smtClean="0"/>
+              <a:rPr kumimoji="1" lang="ja-JP" altLang="en-US"/>
               <a:t>マスター タイトルの書式設定</a:t>
             </a:r>
-            <a:endParaRPr kumimoji="1" lang="ja-JP" altLang="en-US"/>
           </a:p>
         </p:txBody>
       </p:sp>
@@ -775,70 +769,69 @@
           <a:p>
             <a:pPr lvl="0"/>
             <a:r>
-              <a:rPr kumimoji="1" lang="ja-JP" altLang="en-US" smtClean="0"/>
+              <a:rPr kumimoji="1" lang="ja-JP" altLang="en-US"/>
               <a:t>マスター テキストの書式設定</a:t>
             </a:r>
           </a:p>
           <a:p>
             <a:pPr lvl="1"/>
             <a:r>
-              <a:rPr kumimoji="1" lang="ja-JP" altLang="en-US" smtClean="0"/>
+              <a:rPr kumimoji="1" lang="ja-JP" altLang="en-US"/>
               <a:t>第 </a:t>
             </a:r>
             <a:r>
-              <a:rPr kumimoji="1" lang="en-US" altLang="ja-JP" smtClean="0"/>
+              <a:rPr kumimoji="1" lang="en-US" altLang="ja-JP"/>
               <a:t>2 </a:t>
             </a:r>
             <a:r>
-              <a:rPr kumimoji="1" lang="ja-JP" altLang="en-US" smtClean="0"/>
+              <a:rPr kumimoji="1" lang="ja-JP" altLang="en-US"/>
               <a:t>レベル</a:t>
             </a:r>
           </a:p>
           <a:p>
             <a:pPr lvl="2"/>
             <a:r>
-              <a:rPr kumimoji="1" lang="ja-JP" altLang="en-US" smtClean="0"/>
+              <a:rPr kumimoji="1" lang="ja-JP" altLang="en-US"/>
               <a:t>第 </a:t>
             </a:r>
             <a:r>
-              <a:rPr kumimoji="1" lang="en-US" altLang="ja-JP" smtClean="0"/>
+              <a:rPr kumimoji="1" lang="en-US" altLang="ja-JP"/>
               <a:t>3 </a:t>
             </a:r>
             <a:r>
-              <a:rPr kumimoji="1" lang="ja-JP" altLang="en-US" smtClean="0"/>
+              <a:rPr kumimoji="1" lang="ja-JP" altLang="en-US"/>
               <a:t>レベル</a:t>
             </a:r>
           </a:p>
           <a:p>
             <a:pPr lvl="3"/>
             <a:r>
-              <a:rPr kumimoji="1" lang="ja-JP" altLang="en-US" smtClean="0"/>
+              <a:rPr kumimoji="1" lang="ja-JP" altLang="en-US"/>
               <a:t>第 </a:t>
             </a:r>
             <a:r>
-              <a:rPr kumimoji="1" lang="en-US" altLang="ja-JP" smtClean="0"/>
+              <a:rPr kumimoji="1" lang="en-US" altLang="ja-JP"/>
               <a:t>4 </a:t>
             </a:r>
             <a:r>
-              <a:rPr kumimoji="1" lang="ja-JP" altLang="en-US" smtClean="0"/>
+              <a:rPr kumimoji="1" lang="ja-JP" altLang="en-US"/>
               <a:t>レベル</a:t>
             </a:r>
           </a:p>
           <a:p>
             <a:pPr lvl="4"/>
             <a:r>
-              <a:rPr kumimoji="1" lang="ja-JP" altLang="en-US" smtClean="0"/>
+              <a:rPr kumimoji="1" lang="ja-JP" altLang="en-US"/>
               <a:t>第 </a:t>
             </a:r>
             <a:r>
-              <a:rPr kumimoji="1" lang="en-US" altLang="ja-JP" smtClean="0"/>
+              <a:rPr kumimoji="1" lang="en-US" altLang="ja-JP"/>
               <a:t>5 </a:t>
             </a:r>
             <a:r>
-              <a:rPr kumimoji="1" lang="ja-JP" altLang="en-US" smtClean="0"/>
+              <a:rPr kumimoji="1" lang="ja-JP" altLang="en-US"/>
               <a:t>レベル</a:t>
             </a:r>
-            <a:endParaRPr kumimoji="1" lang="ja-JP" altLang="en-US"/>
           </a:p>
         </p:txBody>
       </p:sp>
@@ -859,7 +852,7 @@
           <a:p>
             <a:fld id="{2EC0F021-7DFD-498D-BCE3-EE303F1D4C84}" type="datetimeFigureOut">
               <a:rPr kumimoji="1" lang="ja-JP" altLang="en-US" smtClean="0"/>
-              <a:t>2019/5/6</a:t>
+              <a:t>2019/5/7</a:t>
             </a:fld>
             <a:endParaRPr kumimoji="1" lang="ja-JP" altLang="en-US"/>
           </a:p>
@@ -962,10 +955,9 @@
           </a:lstStyle>
           <a:p>
             <a:r>
-              <a:rPr kumimoji="1" lang="ja-JP" altLang="en-US" smtClean="0"/>
+              <a:rPr kumimoji="1" lang="ja-JP" altLang="en-US"/>
               <a:t>マスター タイトルの書式設定</a:t>
             </a:r>
-            <a:endParaRPr kumimoji="1" lang="ja-JP" altLang="en-US"/>
           </a:p>
         </p:txBody>
       </p:sp>
@@ -1082,7 +1074,7 @@
           <a:p>
             <a:pPr lvl="0"/>
             <a:r>
-              <a:rPr kumimoji="1" lang="ja-JP" altLang="en-US" smtClean="0"/>
+              <a:rPr kumimoji="1" lang="ja-JP" altLang="en-US"/>
               <a:t>マスター テキストの書式設定</a:t>
             </a:r>
           </a:p>
@@ -1105,7 +1097,7 @@
           <a:p>
             <a:fld id="{2EC0F021-7DFD-498D-BCE3-EE303F1D4C84}" type="datetimeFigureOut">
               <a:rPr kumimoji="1" lang="ja-JP" altLang="en-US" smtClean="0"/>
-              <a:t>2019/5/6</a:t>
+              <a:t>2019/5/7</a:t>
             </a:fld>
             <a:endParaRPr kumimoji="1" lang="ja-JP" altLang="en-US"/>
           </a:p>
@@ -1199,10 +1191,9 @@
           <a:lstStyle/>
           <a:p>
             <a:r>
-              <a:rPr kumimoji="1" lang="ja-JP" altLang="en-US" smtClean="0"/>
+              <a:rPr kumimoji="1" lang="ja-JP" altLang="en-US"/>
               <a:t>マスター タイトルの書式設定</a:t>
             </a:r>
-            <a:endParaRPr kumimoji="1" lang="ja-JP" altLang="en-US"/>
           </a:p>
         </p:txBody>
       </p:sp>
@@ -1228,70 +1219,69 @@
           <a:p>
             <a:pPr lvl="0"/>
             <a:r>
-              <a:rPr kumimoji="1" lang="ja-JP" altLang="en-US" smtClean="0"/>
+              <a:rPr kumimoji="1" lang="ja-JP" altLang="en-US"/>
               <a:t>マスター テキストの書式設定</a:t>
             </a:r>
           </a:p>
           <a:p>
             <a:pPr lvl="1"/>
             <a:r>
-              <a:rPr kumimoji="1" lang="ja-JP" altLang="en-US" smtClean="0"/>
+              <a:rPr kumimoji="1" lang="ja-JP" altLang="en-US"/>
               <a:t>第 </a:t>
             </a:r>
             <a:r>
-              <a:rPr kumimoji="1" lang="en-US" altLang="ja-JP" smtClean="0"/>
+              <a:rPr kumimoji="1" lang="en-US" altLang="ja-JP"/>
               <a:t>2 </a:t>
             </a:r>
             <a:r>
-              <a:rPr kumimoji="1" lang="ja-JP" altLang="en-US" smtClean="0"/>
+              <a:rPr kumimoji="1" lang="ja-JP" altLang="en-US"/>
               <a:t>レベル</a:t>
             </a:r>
           </a:p>
           <a:p>
             <a:pPr lvl="2"/>
             <a:r>
-              <a:rPr kumimoji="1" lang="ja-JP" altLang="en-US" smtClean="0"/>
+              <a:rPr kumimoji="1" lang="ja-JP" altLang="en-US"/>
               <a:t>第 </a:t>
             </a:r>
             <a:r>
-              <a:rPr kumimoji="1" lang="en-US" altLang="ja-JP" smtClean="0"/>
+              <a:rPr kumimoji="1" lang="en-US" altLang="ja-JP"/>
               <a:t>3 </a:t>
             </a:r>
             <a:r>
-              <a:rPr kumimoji="1" lang="ja-JP" altLang="en-US" smtClean="0"/>
+              <a:rPr kumimoji="1" lang="ja-JP" altLang="en-US"/>
               <a:t>レベル</a:t>
             </a:r>
           </a:p>
           <a:p>
             <a:pPr lvl="3"/>
             <a:r>
-              <a:rPr kumimoji="1" lang="ja-JP" altLang="en-US" smtClean="0"/>
+              <a:rPr kumimoji="1" lang="ja-JP" altLang="en-US"/>
               <a:t>第 </a:t>
             </a:r>
             <a:r>
-              <a:rPr kumimoji="1" lang="en-US" altLang="ja-JP" smtClean="0"/>
+              <a:rPr kumimoji="1" lang="en-US" altLang="ja-JP"/>
               <a:t>4 </a:t>
             </a:r>
             <a:r>
-              <a:rPr kumimoji="1" lang="ja-JP" altLang="en-US" smtClean="0"/>
+              <a:rPr kumimoji="1" lang="ja-JP" altLang="en-US"/>
               <a:t>レベル</a:t>
             </a:r>
           </a:p>
           <a:p>
             <a:pPr lvl="4"/>
             <a:r>
-              <a:rPr kumimoji="1" lang="ja-JP" altLang="en-US" smtClean="0"/>
+              <a:rPr kumimoji="1" lang="ja-JP" altLang="en-US"/>
               <a:t>第 </a:t>
             </a:r>
             <a:r>
-              <a:rPr kumimoji="1" lang="en-US" altLang="ja-JP" smtClean="0"/>
+              <a:rPr kumimoji="1" lang="en-US" altLang="ja-JP"/>
               <a:t>5 </a:t>
             </a:r>
             <a:r>
-              <a:rPr kumimoji="1" lang="ja-JP" altLang="en-US" smtClean="0"/>
+              <a:rPr kumimoji="1" lang="ja-JP" altLang="en-US"/>
               <a:t>レベル</a:t>
             </a:r>
-            <a:endParaRPr kumimoji="1" lang="ja-JP" altLang="en-US"/>
           </a:p>
         </p:txBody>
       </p:sp>
@@ -1317,70 +1307,69 @@
           <a:p>
             <a:pPr lvl="0"/>
             <a:r>
-              <a:rPr kumimoji="1" lang="ja-JP" altLang="en-US" smtClean="0"/>
+              <a:rPr kumimoji="1" lang="ja-JP" altLang="en-US"/>
               <a:t>マスター テキストの書式設定</a:t>
             </a:r>
           </a:p>
           <a:p>
             <a:pPr lvl="1"/>
             <a:r>
-              <a:rPr kumimoji="1" lang="ja-JP" altLang="en-US" smtClean="0"/>
+              <a:rPr kumimoji="1" lang="ja-JP" altLang="en-US"/>
               <a:t>第 </a:t>
             </a:r>
             <a:r>
-              <a:rPr kumimoji="1" lang="en-US" altLang="ja-JP" smtClean="0"/>
+              <a:rPr kumimoji="1" lang="en-US" altLang="ja-JP"/>
               <a:t>2 </a:t>
             </a:r>
             <a:r>
-              <a:rPr kumimoji="1" lang="ja-JP" altLang="en-US" smtClean="0"/>
+              <a:rPr kumimoji="1" lang="ja-JP" altLang="en-US"/>
               <a:t>レベル</a:t>
             </a:r>
           </a:p>
           <a:p>
             <a:pPr lvl="2"/>
             <a:r>
-              <a:rPr kumimoji="1" lang="ja-JP" altLang="en-US" smtClean="0"/>
+              <a:rPr kumimoji="1" lang="ja-JP" altLang="en-US"/>
               <a:t>第 </a:t>
             </a:r>
             <a:r>
-              <a:rPr kumimoji="1" lang="en-US" altLang="ja-JP" smtClean="0"/>
+              <a:rPr kumimoji="1" lang="en-US" altLang="ja-JP"/>
               <a:t>3 </a:t>
             </a:r>
             <a:r>
-              <a:rPr kumimoji="1" lang="ja-JP" altLang="en-US" smtClean="0"/>
+              <a:rPr kumimoji="1" lang="ja-JP" altLang="en-US"/>
               <a:t>レベル</a:t>
             </a:r>
           </a:p>
           <a:p>
             <a:pPr lvl="3"/>
             <a:r>
-              <a:rPr kumimoji="1" lang="ja-JP" altLang="en-US" smtClean="0"/>
+              <a:rPr kumimoji="1" lang="ja-JP" altLang="en-US"/>
               <a:t>第 </a:t>
             </a:r>
             <a:r>
-              <a:rPr kumimoji="1" lang="en-US" altLang="ja-JP" smtClean="0"/>
+              <a:rPr kumimoji="1" lang="en-US" altLang="ja-JP"/>
               <a:t>4 </a:t>
             </a:r>
             <a:r>
-              <a:rPr kumimoji="1" lang="ja-JP" altLang="en-US" smtClean="0"/>
+              <a:rPr kumimoji="1" lang="ja-JP" altLang="en-US"/>
               <a:t>レベル</a:t>
             </a:r>
           </a:p>
           <a:p>
             <a:pPr lvl="4"/>
             <a:r>
-              <a:rPr kumimoji="1" lang="ja-JP" altLang="en-US" smtClean="0"/>
+              <a:rPr kumimoji="1" lang="ja-JP" altLang="en-US"/>
               <a:t>第 </a:t>
             </a:r>
             <a:r>
-              <a:rPr kumimoji="1" lang="en-US" altLang="ja-JP" smtClean="0"/>
+              <a:rPr kumimoji="1" lang="en-US" altLang="ja-JP"/>
               <a:t>5 </a:t>
             </a:r>
             <a:r>
-              <a:rPr kumimoji="1" lang="ja-JP" altLang="en-US" smtClean="0"/>
+              <a:rPr kumimoji="1" lang="ja-JP" altLang="en-US"/>
               <a:t>レベル</a:t>
             </a:r>
-            <a:endParaRPr kumimoji="1" lang="ja-JP" altLang="en-US"/>
           </a:p>
         </p:txBody>
       </p:sp>
@@ -1401,7 +1390,7 @@
           <a:p>
             <a:fld id="{2EC0F021-7DFD-498D-BCE3-EE303F1D4C84}" type="datetimeFigureOut">
               <a:rPr kumimoji="1" lang="ja-JP" altLang="en-US" smtClean="0"/>
-              <a:t>2019/5/6</a:t>
+              <a:t>2019/5/7</a:t>
             </a:fld>
             <a:endParaRPr kumimoji="1" lang="ja-JP" altLang="en-US"/>
           </a:p>
@@ -1500,10 +1489,9 @@
           <a:lstStyle/>
           <a:p>
             <a:r>
-              <a:rPr kumimoji="1" lang="ja-JP" altLang="en-US" smtClean="0"/>
+              <a:rPr kumimoji="1" lang="ja-JP" altLang="en-US"/>
               <a:t>マスター タイトルの書式設定</a:t>
             </a:r>
-            <a:endParaRPr kumimoji="1" lang="ja-JP" altLang="en-US"/>
           </a:p>
         </p:txBody>
       </p:sp>
@@ -1566,7 +1554,7 @@
           <a:p>
             <a:pPr lvl="0"/>
             <a:r>
-              <a:rPr kumimoji="1" lang="ja-JP" altLang="en-US" smtClean="0"/>
+              <a:rPr kumimoji="1" lang="ja-JP" altLang="en-US"/>
               <a:t>マスター テキストの書式設定</a:t>
             </a:r>
           </a:p>
@@ -1594,70 +1582,69 @@
           <a:p>
             <a:pPr lvl="0"/>
             <a:r>
-              <a:rPr kumimoji="1" lang="ja-JP" altLang="en-US" smtClean="0"/>
+              <a:rPr kumimoji="1" lang="ja-JP" altLang="en-US"/>
               <a:t>マスター テキストの書式設定</a:t>
             </a:r>
           </a:p>
           <a:p>
             <a:pPr lvl="1"/>
             <a:r>
-              <a:rPr kumimoji="1" lang="ja-JP" altLang="en-US" smtClean="0"/>
+              <a:rPr kumimoji="1" lang="ja-JP" altLang="en-US"/>
               <a:t>第 </a:t>
             </a:r>
             <a:r>
-              <a:rPr kumimoji="1" lang="en-US" altLang="ja-JP" smtClean="0"/>
+              <a:rPr kumimoji="1" lang="en-US" altLang="ja-JP"/>
               <a:t>2 </a:t>
             </a:r>
             <a:r>
-              <a:rPr kumimoji="1" lang="ja-JP" altLang="en-US" smtClean="0"/>
+              <a:rPr kumimoji="1" lang="ja-JP" altLang="en-US"/>
               <a:t>レベル</a:t>
             </a:r>
           </a:p>
           <a:p>
             <a:pPr lvl="2"/>
             <a:r>
-              <a:rPr kumimoji="1" lang="ja-JP" altLang="en-US" smtClean="0"/>
+              <a:rPr kumimoji="1" lang="ja-JP" altLang="en-US"/>
               <a:t>第 </a:t>
             </a:r>
             <a:r>
-              <a:rPr kumimoji="1" lang="en-US" altLang="ja-JP" smtClean="0"/>
+              <a:rPr kumimoji="1" lang="en-US" altLang="ja-JP"/>
               <a:t>3 </a:t>
             </a:r>
             <a:r>
-              <a:rPr kumimoji="1" lang="ja-JP" altLang="en-US" smtClean="0"/>
+              <a:rPr kumimoji="1" lang="ja-JP" altLang="en-US"/>
               <a:t>レベル</a:t>
             </a:r>
           </a:p>
           <a:p>
             <a:pPr lvl="3"/>
             <a:r>
-              <a:rPr kumimoji="1" lang="ja-JP" altLang="en-US" smtClean="0"/>
+              <a:rPr kumimoji="1" lang="ja-JP" altLang="en-US"/>
               <a:t>第 </a:t>
             </a:r>
             <a:r>
-              <a:rPr kumimoji="1" lang="en-US" altLang="ja-JP" smtClean="0"/>
+              <a:rPr kumimoji="1" lang="en-US" altLang="ja-JP"/>
               <a:t>4 </a:t>
             </a:r>
             <a:r>
-              <a:rPr kumimoji="1" lang="ja-JP" altLang="en-US" smtClean="0"/>
+              <a:rPr kumimoji="1" lang="ja-JP" altLang="en-US"/>
               <a:t>レベル</a:t>
             </a:r>
           </a:p>
           <a:p>
             <a:pPr lvl="4"/>
             <a:r>
-              <a:rPr kumimoji="1" lang="ja-JP" altLang="en-US" smtClean="0"/>
+              <a:rPr kumimoji="1" lang="ja-JP" altLang="en-US"/>
               <a:t>第 </a:t>
             </a:r>
             <a:r>
-              <a:rPr kumimoji="1" lang="en-US" altLang="ja-JP" smtClean="0"/>
+              <a:rPr kumimoji="1" lang="en-US" altLang="ja-JP"/>
               <a:t>5 </a:t>
             </a:r>
             <a:r>
-              <a:rPr kumimoji="1" lang="ja-JP" altLang="en-US" smtClean="0"/>
+              <a:rPr kumimoji="1" lang="ja-JP" altLang="en-US"/>
               <a:t>レベル</a:t>
             </a:r>
-            <a:endParaRPr kumimoji="1" lang="ja-JP" altLang="en-US"/>
           </a:p>
         </p:txBody>
       </p:sp>
@@ -1720,7 +1707,7 @@
           <a:p>
             <a:pPr lvl="0"/>
             <a:r>
-              <a:rPr kumimoji="1" lang="ja-JP" altLang="en-US" smtClean="0"/>
+              <a:rPr kumimoji="1" lang="ja-JP" altLang="en-US"/>
               <a:t>マスター テキストの書式設定</a:t>
             </a:r>
           </a:p>
@@ -1748,70 +1735,69 @@
           <a:p>
             <a:pPr lvl="0"/>
             <a:r>
-              <a:rPr kumimoji="1" lang="ja-JP" altLang="en-US" smtClean="0"/>
+              <a:rPr kumimoji="1" lang="ja-JP" altLang="en-US"/>
               <a:t>マスター テキストの書式設定</a:t>
             </a:r>
           </a:p>
           <a:p>
             <a:pPr lvl="1"/>
             <a:r>
-              <a:rPr kumimoji="1" lang="ja-JP" altLang="en-US" smtClean="0"/>
+              <a:rPr kumimoji="1" lang="ja-JP" altLang="en-US"/>
               <a:t>第 </a:t>
             </a:r>
             <a:r>
-              <a:rPr kumimoji="1" lang="en-US" altLang="ja-JP" smtClean="0"/>
+              <a:rPr kumimoji="1" lang="en-US" altLang="ja-JP"/>
               <a:t>2 </a:t>
             </a:r>
             <a:r>
-              <a:rPr kumimoji="1" lang="ja-JP" altLang="en-US" smtClean="0"/>
+              <a:rPr kumimoji="1" lang="ja-JP" altLang="en-US"/>
               <a:t>レベル</a:t>
             </a:r>
           </a:p>
           <a:p>
             <a:pPr lvl="2"/>
             <a:r>
-              <a:rPr kumimoji="1" lang="ja-JP" altLang="en-US" smtClean="0"/>
+              <a:rPr kumimoji="1" lang="ja-JP" altLang="en-US"/>
               <a:t>第 </a:t>
             </a:r>
             <a:r>
-              <a:rPr kumimoji="1" lang="en-US" altLang="ja-JP" smtClean="0"/>
+              <a:rPr kumimoji="1" lang="en-US" altLang="ja-JP"/>
               <a:t>3 </a:t>
             </a:r>
             <a:r>
-              <a:rPr kumimoji="1" lang="ja-JP" altLang="en-US" smtClean="0"/>
+              <a:rPr kumimoji="1" lang="ja-JP" altLang="en-US"/>
               <a:t>レベル</a:t>
             </a:r>
           </a:p>
           <a:p>
             <a:pPr lvl="3"/>
             <a:r>
-              <a:rPr kumimoji="1" lang="ja-JP" altLang="en-US" smtClean="0"/>
+              <a:rPr kumimoji="1" lang="ja-JP" altLang="en-US"/>
               <a:t>第 </a:t>
             </a:r>
             <a:r>
-              <a:rPr kumimoji="1" lang="en-US" altLang="ja-JP" smtClean="0"/>
+              <a:rPr kumimoji="1" lang="en-US" altLang="ja-JP"/>
               <a:t>4 </a:t>
             </a:r>
             <a:r>
-              <a:rPr kumimoji="1" lang="ja-JP" altLang="en-US" smtClean="0"/>
+              <a:rPr kumimoji="1" lang="ja-JP" altLang="en-US"/>
               <a:t>レベル</a:t>
             </a:r>
           </a:p>
           <a:p>
             <a:pPr lvl="4"/>
             <a:r>
-              <a:rPr kumimoji="1" lang="ja-JP" altLang="en-US" smtClean="0"/>
+              <a:rPr kumimoji="1" lang="ja-JP" altLang="en-US"/>
               <a:t>第 </a:t>
             </a:r>
             <a:r>
-              <a:rPr kumimoji="1" lang="en-US" altLang="ja-JP" smtClean="0"/>
+              <a:rPr kumimoji="1" lang="en-US" altLang="ja-JP"/>
               <a:t>5 </a:t>
             </a:r>
             <a:r>
-              <a:rPr kumimoji="1" lang="ja-JP" altLang="en-US" smtClean="0"/>
+              <a:rPr kumimoji="1" lang="ja-JP" altLang="en-US"/>
               <a:t>レベル</a:t>
             </a:r>
-            <a:endParaRPr kumimoji="1" lang="ja-JP" altLang="en-US"/>
           </a:p>
         </p:txBody>
       </p:sp>
@@ -1832,7 +1818,7 @@
           <a:p>
             <a:fld id="{2EC0F021-7DFD-498D-BCE3-EE303F1D4C84}" type="datetimeFigureOut">
               <a:rPr kumimoji="1" lang="ja-JP" altLang="en-US" smtClean="0"/>
-              <a:t>2019/5/6</a:t>
+              <a:t>2019/5/7</a:t>
             </a:fld>
             <a:endParaRPr kumimoji="1" lang="ja-JP" altLang="en-US"/>
           </a:p>
@@ -1926,10 +1912,9 @@
           <a:lstStyle/>
           <a:p>
             <a:r>
-              <a:rPr kumimoji="1" lang="ja-JP" altLang="en-US" smtClean="0"/>
+              <a:rPr kumimoji="1" lang="ja-JP" altLang="en-US"/>
               <a:t>マスター タイトルの書式設定</a:t>
             </a:r>
-            <a:endParaRPr kumimoji="1" lang="ja-JP" altLang="en-US"/>
           </a:p>
         </p:txBody>
       </p:sp>
@@ -1950,7 +1935,7 @@
           <a:p>
             <a:fld id="{2EC0F021-7DFD-498D-BCE3-EE303F1D4C84}" type="datetimeFigureOut">
               <a:rPr kumimoji="1" lang="ja-JP" altLang="en-US" smtClean="0"/>
-              <a:t>2019/5/6</a:t>
+              <a:t>2019/5/7</a:t>
             </a:fld>
             <a:endParaRPr kumimoji="1" lang="ja-JP" altLang="en-US"/>
           </a:p>
@@ -2045,7 +2030,7 @@
           <a:p>
             <a:fld id="{2EC0F021-7DFD-498D-BCE3-EE303F1D4C84}" type="datetimeFigureOut">
               <a:rPr kumimoji="1" lang="ja-JP" altLang="en-US" smtClean="0"/>
-              <a:t>2019/5/6</a:t>
+              <a:t>2019/5/7</a:t>
             </a:fld>
             <a:endParaRPr kumimoji="1" lang="ja-JP" altLang="en-US"/>
           </a:p>
@@ -2148,10 +2133,9 @@
           </a:lstStyle>
           <a:p>
             <a:r>
-              <a:rPr kumimoji="1" lang="ja-JP" altLang="en-US" smtClean="0"/>
+              <a:rPr kumimoji="1" lang="ja-JP" altLang="en-US"/>
               <a:t>マスター タイトルの書式設定</a:t>
             </a:r>
-            <a:endParaRPr kumimoji="1" lang="ja-JP" altLang="en-US"/>
           </a:p>
         </p:txBody>
       </p:sp>
@@ -2205,70 +2189,69 @@
           <a:p>
             <a:pPr lvl="0"/>
             <a:r>
-              <a:rPr kumimoji="1" lang="ja-JP" altLang="en-US" smtClean="0"/>
+              <a:rPr kumimoji="1" lang="ja-JP" altLang="en-US"/>
               <a:t>マスター テキストの書式設定</a:t>
             </a:r>
           </a:p>
           <a:p>
             <a:pPr lvl="1"/>
             <a:r>
-              <a:rPr kumimoji="1" lang="ja-JP" altLang="en-US" smtClean="0"/>
+              <a:rPr kumimoji="1" lang="ja-JP" altLang="en-US"/>
               <a:t>第 </a:t>
             </a:r>
             <a:r>
-              <a:rPr kumimoji="1" lang="en-US" altLang="ja-JP" smtClean="0"/>
+              <a:rPr kumimoji="1" lang="en-US" altLang="ja-JP"/>
               <a:t>2 </a:t>
             </a:r>
             <a:r>
-              <a:rPr kumimoji="1" lang="ja-JP" altLang="en-US" smtClean="0"/>
+              <a:rPr kumimoji="1" lang="ja-JP" altLang="en-US"/>
               <a:t>レベル</a:t>
             </a:r>
           </a:p>
           <a:p>
             <a:pPr lvl="2"/>
             <a:r>
-              <a:rPr kumimoji="1" lang="ja-JP" altLang="en-US" smtClean="0"/>
+              <a:rPr kumimoji="1" lang="ja-JP" altLang="en-US"/>
               <a:t>第 </a:t>
             </a:r>
             <a:r>
-              <a:rPr kumimoji="1" lang="en-US" altLang="ja-JP" smtClean="0"/>
+              <a:rPr kumimoji="1" lang="en-US" altLang="ja-JP"/>
               <a:t>3 </a:t>
             </a:r>
             <a:r>
-              <a:rPr kumimoji="1" lang="ja-JP" altLang="en-US" smtClean="0"/>
+              <a:rPr kumimoji="1" lang="ja-JP" altLang="en-US"/>
               <a:t>レベル</a:t>
             </a:r>
           </a:p>
           <a:p>
             <a:pPr lvl="3"/>
             <a:r>
-              <a:rPr kumimoji="1" lang="ja-JP" altLang="en-US" smtClean="0"/>
+              <a:rPr kumimoji="1" lang="ja-JP" altLang="en-US"/>
               <a:t>第 </a:t>
             </a:r>
             <a:r>
-              <a:rPr kumimoji="1" lang="en-US" altLang="ja-JP" smtClean="0"/>
+              <a:rPr kumimoji="1" lang="en-US" altLang="ja-JP"/>
               <a:t>4 </a:t>
             </a:r>
             <a:r>
-              <a:rPr kumimoji="1" lang="ja-JP" altLang="en-US" smtClean="0"/>
+              <a:rPr kumimoji="1" lang="ja-JP" altLang="en-US"/>
               <a:t>レベル</a:t>
             </a:r>
           </a:p>
           <a:p>
             <a:pPr lvl="4"/>
             <a:r>
-              <a:rPr kumimoji="1" lang="ja-JP" altLang="en-US" smtClean="0"/>
+              <a:rPr kumimoji="1" lang="ja-JP" altLang="en-US"/>
               <a:t>第 </a:t>
             </a:r>
             <a:r>
-              <a:rPr kumimoji="1" lang="en-US" altLang="ja-JP" smtClean="0"/>
+              <a:rPr kumimoji="1" lang="en-US" altLang="ja-JP"/>
               <a:t>5 </a:t>
             </a:r>
             <a:r>
-              <a:rPr kumimoji="1" lang="ja-JP" altLang="en-US" smtClean="0"/>
+              <a:rPr kumimoji="1" lang="ja-JP" altLang="en-US"/>
               <a:t>レベル</a:t>
             </a:r>
-            <a:endParaRPr kumimoji="1" lang="ja-JP" altLang="en-US"/>
           </a:p>
         </p:txBody>
       </p:sp>
@@ -2331,7 +2314,7 @@
           <a:p>
             <a:pPr lvl="0"/>
             <a:r>
-              <a:rPr kumimoji="1" lang="ja-JP" altLang="en-US" smtClean="0"/>
+              <a:rPr kumimoji="1" lang="ja-JP" altLang="en-US"/>
               <a:t>マスター テキストの書式設定</a:t>
             </a:r>
           </a:p>
@@ -2354,7 +2337,7 @@
           <a:p>
             <a:fld id="{2EC0F021-7DFD-498D-BCE3-EE303F1D4C84}" type="datetimeFigureOut">
               <a:rPr kumimoji="1" lang="ja-JP" altLang="en-US" smtClean="0"/>
-              <a:t>2019/5/6</a:t>
+              <a:t>2019/5/7</a:t>
             </a:fld>
             <a:endParaRPr kumimoji="1" lang="ja-JP" altLang="en-US"/>
           </a:p>
@@ -2457,10 +2440,9 @@
           </a:lstStyle>
           <a:p>
             <a:r>
-              <a:rPr kumimoji="1" lang="ja-JP" altLang="en-US" smtClean="0"/>
+              <a:rPr kumimoji="1" lang="ja-JP" altLang="en-US"/>
               <a:t>マスター タイトルの書式設定</a:t>
             </a:r>
-            <a:endParaRPr kumimoji="1" lang="ja-JP" altLang="en-US"/>
           </a:p>
         </p:txBody>
       </p:sp>
@@ -2584,7 +2566,7 @@
           <a:p>
             <a:pPr lvl="0"/>
             <a:r>
-              <a:rPr kumimoji="1" lang="ja-JP" altLang="en-US" smtClean="0"/>
+              <a:rPr kumimoji="1" lang="ja-JP" altLang="en-US"/>
               <a:t>マスター テキストの書式設定</a:t>
             </a:r>
           </a:p>
@@ -2607,7 +2589,7 @@
           <a:p>
             <a:fld id="{2EC0F021-7DFD-498D-BCE3-EE303F1D4C84}" type="datetimeFigureOut">
               <a:rPr kumimoji="1" lang="ja-JP" altLang="en-US" smtClean="0"/>
-              <a:t>2019/5/6</a:t>
+              <a:t>2019/5/7</a:t>
             </a:fld>
             <a:endParaRPr kumimoji="1" lang="ja-JP" altLang="en-US"/>
           </a:p>
@@ -2716,10 +2698,9 @@
           <a:lstStyle/>
           <a:p>
             <a:r>
-              <a:rPr kumimoji="1" lang="ja-JP" altLang="en-US" smtClean="0"/>
+              <a:rPr kumimoji="1" lang="ja-JP" altLang="en-US"/>
               <a:t>マスター タイトルの書式設定</a:t>
             </a:r>
-            <a:endParaRPr kumimoji="1" lang="ja-JP" altLang="en-US"/>
           </a:p>
         </p:txBody>
       </p:sp>
@@ -2750,70 +2731,69 @@
           <a:p>
             <a:pPr lvl="0"/>
             <a:r>
-              <a:rPr kumimoji="1" lang="ja-JP" altLang="en-US" smtClean="0"/>
+              <a:rPr kumimoji="1" lang="ja-JP" altLang="en-US"/>
               <a:t>マスター テキストの書式設定</a:t>
             </a:r>
           </a:p>
           <a:p>
             <a:pPr lvl="1"/>
             <a:r>
-              <a:rPr kumimoji="1" lang="ja-JP" altLang="en-US" smtClean="0"/>
+              <a:rPr kumimoji="1" lang="ja-JP" altLang="en-US"/>
               <a:t>第 </a:t>
             </a:r>
             <a:r>
-              <a:rPr kumimoji="1" lang="en-US" altLang="ja-JP" smtClean="0"/>
+              <a:rPr kumimoji="1" lang="en-US" altLang="ja-JP"/>
               <a:t>2 </a:t>
             </a:r>
             <a:r>
-              <a:rPr kumimoji="1" lang="ja-JP" altLang="en-US" smtClean="0"/>
+              <a:rPr kumimoji="1" lang="ja-JP" altLang="en-US"/>
               <a:t>レベル</a:t>
             </a:r>
           </a:p>
           <a:p>
             <a:pPr lvl="2"/>
             <a:r>
-              <a:rPr kumimoji="1" lang="ja-JP" altLang="en-US" smtClean="0"/>
+              <a:rPr kumimoji="1" lang="ja-JP" altLang="en-US"/>
               <a:t>第 </a:t>
             </a:r>
             <a:r>
-              <a:rPr kumimoji="1" lang="en-US" altLang="ja-JP" smtClean="0"/>
+              <a:rPr kumimoji="1" lang="en-US" altLang="ja-JP"/>
               <a:t>3 </a:t>
             </a:r>
             <a:r>
-              <a:rPr kumimoji="1" lang="ja-JP" altLang="en-US" smtClean="0"/>
+              <a:rPr kumimoji="1" lang="ja-JP" altLang="en-US"/>
               <a:t>レベル</a:t>
             </a:r>
           </a:p>
           <a:p>
             <a:pPr lvl="3"/>
             <a:r>
-              <a:rPr kumimoji="1" lang="ja-JP" altLang="en-US" smtClean="0"/>
+              <a:rPr kumimoji="1" lang="ja-JP" altLang="en-US"/>
               <a:t>第 </a:t>
             </a:r>
             <a:r>
-              <a:rPr kumimoji="1" lang="en-US" altLang="ja-JP" smtClean="0"/>
+              <a:rPr kumimoji="1" lang="en-US" altLang="ja-JP"/>
               <a:t>4 </a:t>
             </a:r>
             <a:r>
-              <a:rPr kumimoji="1" lang="ja-JP" altLang="en-US" smtClean="0"/>
+              <a:rPr kumimoji="1" lang="ja-JP" altLang="en-US"/>
               <a:t>レベル</a:t>
             </a:r>
           </a:p>
           <a:p>
             <a:pPr lvl="4"/>
             <a:r>
-              <a:rPr kumimoji="1" lang="ja-JP" altLang="en-US" smtClean="0"/>
+              <a:rPr kumimoji="1" lang="ja-JP" altLang="en-US"/>
               <a:t>第 </a:t>
             </a:r>
             <a:r>
-              <a:rPr kumimoji="1" lang="en-US" altLang="ja-JP" smtClean="0"/>
+              <a:rPr kumimoji="1" lang="en-US" altLang="ja-JP"/>
               <a:t>5 </a:t>
             </a:r>
             <a:r>
-              <a:rPr kumimoji="1" lang="ja-JP" altLang="en-US" smtClean="0"/>
+              <a:rPr kumimoji="1" lang="ja-JP" altLang="en-US"/>
               <a:t>レベル</a:t>
             </a:r>
-            <a:endParaRPr kumimoji="1" lang="ja-JP" altLang="en-US"/>
           </a:p>
         </p:txBody>
       </p:sp>
@@ -2852,7 +2832,7 @@
           <a:p>
             <a:fld id="{2EC0F021-7DFD-498D-BCE3-EE303F1D4C84}" type="datetimeFigureOut">
               <a:rPr kumimoji="1" lang="ja-JP" altLang="en-US" smtClean="0"/>
-              <a:t>2019/5/6</a:t>
+              <a:t>2019/5/7</a:t>
             </a:fld>
             <a:endParaRPr kumimoji="1" lang="ja-JP" altLang="en-US"/>
           </a:p>
@@ -3266,7 +3246,7 @@
         <p:spPr>
           <a:xfrm>
             <a:off x="2082801" y="1449987"/>
-            <a:ext cx="676788" cy="369332"/>
+            <a:ext cx="872355" cy="369332"/>
           </a:xfrm>
           <a:prstGeom prst="rect">
             <a:avLst/>
@@ -3280,8 +3260,8 @@
           <a:lstStyle/>
           <a:p>
             <a:r>
-              <a:rPr kumimoji="1" lang="en-US" altLang="ja-JP" dirty="0" smtClean="0"/>
-              <a:t>1-2h</a:t>
+              <a:rPr kumimoji="1" lang="en-US" altLang="ja-JP" dirty="0"/>
+              <a:t>-1-2-1</a:t>
             </a:r>
             <a:endParaRPr kumimoji="1" lang="ja-JP" altLang="en-US" dirty="0"/>
           </a:p>
@@ -3311,8 +3291,8 @@
           <a:p>
             <a:pPr algn="ctr"/>
             <a:r>
-              <a:rPr kumimoji="1" lang="en-US" altLang="ja-JP" dirty="0" smtClean="0"/>
-              <a:t>h</a:t>
+              <a:rPr kumimoji="1" lang="en-US" altLang="ja-JP" dirty="0"/>
+              <a:t>-1</a:t>
             </a:r>
             <a:endParaRPr kumimoji="1" lang="ja-JP" altLang="en-US" dirty="0"/>
           </a:p>
@@ -3327,7 +3307,7 @@
         <p:spPr>
           <a:xfrm>
             <a:off x="2648753" y="1897951"/>
-            <a:ext cx="676788" cy="369332"/>
+            <a:ext cx="872355" cy="369332"/>
           </a:xfrm>
           <a:prstGeom prst="rect">
             <a:avLst/>
@@ -3341,8 +3321,8 @@
           <a:lstStyle/>
           <a:p>
             <a:r>
-              <a:rPr kumimoji="1" lang="en-US" altLang="ja-JP" dirty="0" smtClean="0"/>
-              <a:t>1-2h</a:t>
+              <a:rPr kumimoji="1" lang="en-US" altLang="ja-JP" dirty="0"/>
+              <a:t>-1-2-1</a:t>
             </a:r>
             <a:endParaRPr kumimoji="1" lang="ja-JP" altLang="en-US" dirty="0"/>
           </a:p>
@@ -3372,8 +3352,8 @@
           <a:p>
             <a:pPr algn="ctr"/>
             <a:r>
-              <a:rPr kumimoji="1" lang="en-US" altLang="ja-JP" dirty="0" smtClean="0"/>
-              <a:t>h</a:t>
+              <a:rPr kumimoji="1" lang="en-US" altLang="ja-JP" dirty="0"/>
+              <a:t>-1</a:t>
             </a:r>
             <a:endParaRPr kumimoji="1" lang="ja-JP" altLang="en-US" dirty="0"/>
           </a:p>
@@ -3403,8 +3383,8 @@
           <a:p>
             <a:pPr algn="ctr"/>
             <a:r>
-              <a:rPr kumimoji="1" lang="en-US" altLang="ja-JP" dirty="0" smtClean="0"/>
-              <a:t>h</a:t>
+              <a:rPr kumimoji="1" lang="en-US" altLang="ja-JP" dirty="0"/>
+              <a:t>-1</a:t>
             </a:r>
             <a:endParaRPr kumimoji="1" lang="ja-JP" altLang="en-US" dirty="0"/>
           </a:p>
@@ -3419,7 +3399,7 @@
         <p:spPr>
           <a:xfrm>
             <a:off x="3232728" y="2341294"/>
-            <a:ext cx="676788" cy="369332"/>
+            <a:ext cx="872355" cy="369332"/>
           </a:xfrm>
           <a:prstGeom prst="rect">
             <a:avLst/>
@@ -3433,8 +3413,8 @@
           <a:lstStyle/>
           <a:p>
             <a:r>
-              <a:rPr kumimoji="1" lang="en-US" altLang="ja-JP" dirty="0" smtClean="0"/>
-              <a:t>1-2h</a:t>
+              <a:rPr kumimoji="1" lang="en-US" altLang="ja-JP" dirty="0"/>
+              <a:t>-1-2-1</a:t>
             </a:r>
             <a:endParaRPr kumimoji="1" lang="ja-JP" altLang="en-US" dirty="0"/>
           </a:p>
@@ -3464,8 +3444,8 @@
           <a:p>
             <a:pPr algn="ctr"/>
             <a:r>
-              <a:rPr kumimoji="1" lang="en-US" altLang="ja-JP" dirty="0" smtClean="0"/>
-              <a:t>h</a:t>
+              <a:rPr kumimoji="1" lang="en-US" altLang="ja-JP" dirty="0"/>
+              <a:t>-1</a:t>
             </a:r>
             <a:endParaRPr kumimoji="1" lang="ja-JP" altLang="en-US" dirty="0"/>
           </a:p>
@@ -3495,8 +3475,8 @@
           <a:p>
             <a:pPr algn="ctr"/>
             <a:r>
-              <a:rPr kumimoji="1" lang="en-US" altLang="ja-JP" dirty="0" smtClean="0"/>
-              <a:t>h</a:t>
+              <a:rPr kumimoji="1" lang="en-US" altLang="ja-JP" dirty="0"/>
+              <a:t>-1</a:t>
             </a:r>
             <a:endParaRPr kumimoji="1" lang="ja-JP" altLang="en-US" dirty="0"/>
           </a:p>
@@ -3511,7 +3491,7 @@
         <p:spPr>
           <a:xfrm>
             <a:off x="3798680" y="2789258"/>
-            <a:ext cx="676788" cy="369332"/>
+            <a:ext cx="872355" cy="369332"/>
           </a:xfrm>
           <a:prstGeom prst="rect">
             <a:avLst/>
@@ -3525,8 +3505,8 @@
           <a:lstStyle/>
           <a:p>
             <a:r>
-              <a:rPr kumimoji="1" lang="en-US" altLang="ja-JP" dirty="0" smtClean="0"/>
-              <a:t>1-2h</a:t>
+              <a:rPr kumimoji="1" lang="en-US" altLang="ja-JP" dirty="0"/>
+              <a:t>-1-2-1</a:t>
             </a:r>
             <a:endParaRPr kumimoji="1" lang="ja-JP" altLang="en-US" dirty="0"/>
           </a:p>
@@ -3556,8 +3536,8 @@
           <a:p>
             <a:pPr algn="ctr"/>
             <a:r>
-              <a:rPr kumimoji="1" lang="en-US" altLang="ja-JP" dirty="0" smtClean="0"/>
-              <a:t>h</a:t>
+              <a:rPr kumimoji="1" lang="en-US" altLang="ja-JP" dirty="0"/>
+              <a:t>-1</a:t>
             </a:r>
             <a:endParaRPr kumimoji="1" lang="ja-JP" altLang="en-US" dirty="0"/>
           </a:p>
@@ -3587,8 +3567,8 @@
           <a:p>
             <a:pPr algn="ctr"/>
             <a:r>
-              <a:rPr kumimoji="1" lang="en-US" altLang="ja-JP" dirty="0" smtClean="0"/>
-              <a:t>h</a:t>
+              <a:rPr kumimoji="1" lang="en-US" altLang="ja-JP" dirty="0"/>
+              <a:t>-1</a:t>
             </a:r>
             <a:endParaRPr kumimoji="1" lang="ja-JP" altLang="en-US" dirty="0"/>
           </a:p>
@@ -3618,8 +3598,8 @@
           <a:p>
             <a:pPr algn="ctr"/>
             <a:r>
-              <a:rPr kumimoji="1" lang="en-US" altLang="ja-JP" dirty="0" smtClean="0"/>
-              <a:t>h</a:t>
+              <a:rPr kumimoji="1" lang="en-US" altLang="ja-JP" dirty="0"/>
+              <a:t>-1</a:t>
             </a:r>
             <a:endParaRPr kumimoji="1" lang="ja-JP" altLang="en-US" dirty="0"/>
           </a:p>
@@ -3648,10 +3628,9 @@
           <a:lstStyle/>
           <a:p>
             <a:r>
-              <a:rPr kumimoji="1" lang="ja-JP" altLang="en-US" dirty="0" smtClean="0"/>
+              <a:rPr kumimoji="1" lang="ja-JP" altLang="en-US" dirty="0"/>
               <a:t>・</a:t>
             </a:r>
-            <a:endParaRPr kumimoji="1" lang="ja-JP" altLang="en-US" dirty="0"/>
           </a:p>
         </p:txBody>
       </p:sp>
@@ -3678,10 +3657,9 @@
           <a:lstStyle/>
           <a:p>
             <a:r>
-              <a:rPr kumimoji="1" lang="ja-JP" altLang="en-US" dirty="0" smtClean="0"/>
+              <a:rPr kumimoji="1" lang="ja-JP" altLang="en-US" dirty="0"/>
               <a:t>・</a:t>
             </a:r>
-            <a:endParaRPr kumimoji="1" lang="ja-JP" altLang="en-US" dirty="0"/>
           </a:p>
         </p:txBody>
       </p:sp>
@@ -3708,10 +3686,9 @@
           <a:lstStyle/>
           <a:p>
             <a:r>
-              <a:rPr kumimoji="1" lang="ja-JP" altLang="en-US" dirty="0" smtClean="0"/>
+              <a:rPr kumimoji="1" lang="ja-JP" altLang="en-US" dirty="0"/>
               <a:t>・</a:t>
             </a:r>
-            <a:endParaRPr kumimoji="1" lang="ja-JP" altLang="en-US" dirty="0"/>
           </a:p>
         </p:txBody>
       </p:sp>
@@ -3724,7 +3701,7 @@
         <p:spPr>
           <a:xfrm>
             <a:off x="6066208" y="4214919"/>
-            <a:ext cx="676788" cy="369332"/>
+            <a:ext cx="872355" cy="369332"/>
           </a:xfrm>
           <a:prstGeom prst="rect">
             <a:avLst/>
@@ -3738,8 +3715,8 @@
           <a:lstStyle/>
           <a:p>
             <a:r>
-              <a:rPr kumimoji="1" lang="en-US" altLang="ja-JP" dirty="0" smtClean="0"/>
-              <a:t>1-2h</a:t>
+              <a:rPr kumimoji="1" lang="en-US" altLang="ja-JP" dirty="0"/>
+              <a:t>-1-2-1</a:t>
             </a:r>
             <a:endParaRPr kumimoji="1" lang="ja-JP" altLang="en-US" dirty="0"/>
           </a:p>
@@ -3769,8 +3746,8 @@
           <a:p>
             <a:pPr algn="ctr"/>
             <a:r>
-              <a:rPr kumimoji="1" lang="en-US" altLang="ja-JP" dirty="0" smtClean="0"/>
-              <a:t>h</a:t>
+              <a:rPr kumimoji="1" lang="en-US" altLang="ja-JP" dirty="0"/>
+              <a:t>-1</a:t>
             </a:r>
             <a:endParaRPr kumimoji="1" lang="ja-JP" altLang="en-US" dirty="0"/>
           </a:p>
@@ -3800,8 +3777,8 @@
           <a:p>
             <a:pPr algn="ctr"/>
             <a:r>
-              <a:rPr kumimoji="1" lang="en-US" altLang="ja-JP" dirty="0" smtClean="0"/>
-              <a:t>h</a:t>
+              <a:rPr kumimoji="1" lang="en-US" altLang="ja-JP" dirty="0"/>
+              <a:t>-1</a:t>
             </a:r>
             <a:endParaRPr kumimoji="1" lang="ja-JP" altLang="en-US" dirty="0"/>
           </a:p>
@@ -3856,6 +3833,758 @@
     <p:extLst>
       <p:ext uri="{BB962C8B-B14F-4D97-AF65-F5344CB8AC3E}">
         <p14:creationId xmlns:p14="http://schemas.microsoft.com/office/powerpoint/2010/main" val="3628471593"/>
+      </p:ext>
+    </p:extLst>
+  </p:cSld>
+  <p:clrMapOvr>
+    <a:masterClrMapping/>
+  </p:clrMapOvr>
+</p:sld>
+</file>
+
+<file path=ppt/slides/slide2.xml><?xml version="1.0" encoding="utf-8"?>
+<p:sld xmlns:a="http://schemas.openxmlformats.org/drawingml/2006/main" xmlns:r="http://schemas.openxmlformats.org/officeDocument/2006/relationships" xmlns:p="http://schemas.openxmlformats.org/presentationml/2006/main">
+  <p:cSld>
+    <p:spTree>
+      <p:nvGrpSpPr>
+        <p:cNvPr id="1" name=""/>
+        <p:cNvGrpSpPr/>
+        <p:nvPr/>
+      </p:nvGrpSpPr>
+      <p:grpSpPr>
+        <a:xfrm>
+          <a:off x="0" y="0"/>
+          <a:ext cx="0" cy="0"/>
+          <a:chOff x="0" y="0"/>
+          <a:chExt cx="0" cy="0"/>
+        </a:xfrm>
+      </p:grpSpPr>
+      <p:sp>
+        <p:nvSpPr>
+          <p:cNvPr id="23" name="テキスト ボックス 22">
+            <a:extLst>
+              <a:ext uri="{FF2B5EF4-FFF2-40B4-BE49-F238E27FC236}">
+                <a16:creationId xmlns:a16="http://schemas.microsoft.com/office/drawing/2014/main" id="{305501E2-916C-A046-8B75-98D5CE016D84}"/>
+              </a:ext>
+            </a:extLst>
+          </p:cNvPr>
+          <p:cNvSpPr txBox="1"/>
+          <p:nvPr/>
+        </p:nvSpPr>
+        <p:spPr>
+          <a:xfrm>
+            <a:off x="2082801" y="1449987"/>
+            <a:ext cx="662361" cy="369332"/>
+          </a:xfrm>
+          <a:prstGeom prst="rect">
+            <a:avLst/>
+          </a:prstGeom>
+          <a:noFill/>
+        </p:spPr>
+        <p:txBody>
+          <a:bodyPr wrap="none" rtlCol="0">
+            <a:spAutoFit/>
+          </a:bodyPr>
+          <a:lstStyle/>
+          <a:p>
+            <a:r>
+              <a:rPr kumimoji="1" lang="en-US" altLang="ja-JP" dirty="0"/>
+              <a:t>2-V</a:t>
+            </a:r>
+            <a:r>
+              <a:rPr kumimoji="1" lang="en-US" altLang="ja-JP" sz="1400" dirty="0"/>
+              <a:t>1</a:t>
+            </a:r>
+            <a:endParaRPr kumimoji="1" lang="ja-JP" altLang="en-US" dirty="0"/>
+          </a:p>
+        </p:txBody>
+      </p:sp>
+      <p:sp>
+        <p:nvSpPr>
+          <p:cNvPr id="24" name="テキスト ボックス 23">
+            <a:extLst>
+              <a:ext uri="{FF2B5EF4-FFF2-40B4-BE49-F238E27FC236}">
+                <a16:creationId xmlns:a16="http://schemas.microsoft.com/office/drawing/2014/main" id="{E8664A96-C4C1-0C4B-8205-1A091805B590}"/>
+              </a:ext>
+            </a:extLst>
+          </p:cNvPr>
+          <p:cNvSpPr txBox="1"/>
+          <p:nvPr/>
+        </p:nvSpPr>
+        <p:spPr>
+          <a:xfrm>
+            <a:off x="2692400" y="1454608"/>
+            <a:ext cx="676788" cy="369332"/>
+          </a:xfrm>
+          <a:prstGeom prst="rect">
+            <a:avLst/>
+          </a:prstGeom>
+          <a:noFill/>
+        </p:spPr>
+        <p:txBody>
+          <a:bodyPr wrap="square" rtlCol="0">
+            <a:spAutoFit/>
+          </a:bodyPr>
+          <a:lstStyle/>
+          <a:p>
+            <a:pPr algn="ctr"/>
+            <a:r>
+              <a:rPr kumimoji="1" lang="en-US" altLang="ja-JP" dirty="0"/>
+              <a:t>-1</a:t>
+            </a:r>
+            <a:endParaRPr kumimoji="1" lang="ja-JP" altLang="en-US" dirty="0"/>
+          </a:p>
+        </p:txBody>
+      </p:sp>
+      <p:sp>
+        <p:nvSpPr>
+          <p:cNvPr id="25" name="テキスト ボックス 24">
+            <a:extLst>
+              <a:ext uri="{FF2B5EF4-FFF2-40B4-BE49-F238E27FC236}">
+                <a16:creationId xmlns:a16="http://schemas.microsoft.com/office/drawing/2014/main" id="{A7C3D477-FF20-944C-A5E1-478F013488B9}"/>
+              </a:ext>
+            </a:extLst>
+          </p:cNvPr>
+          <p:cNvSpPr txBox="1"/>
+          <p:nvPr/>
+        </p:nvSpPr>
+        <p:spPr>
+          <a:xfrm>
+            <a:off x="2648753" y="1897951"/>
+            <a:ext cx="662361" cy="369332"/>
+          </a:xfrm>
+          <a:prstGeom prst="rect">
+            <a:avLst/>
+          </a:prstGeom>
+          <a:noFill/>
+        </p:spPr>
+        <p:txBody>
+          <a:bodyPr wrap="none" rtlCol="0">
+            <a:spAutoFit/>
+          </a:bodyPr>
+          <a:lstStyle/>
+          <a:p>
+            <a:r>
+              <a:rPr kumimoji="1" lang="en-US" altLang="ja-JP" dirty="0"/>
+              <a:t>2-V</a:t>
+            </a:r>
+            <a:r>
+              <a:rPr kumimoji="1" lang="en-US" altLang="ja-JP" sz="1400" dirty="0"/>
+              <a:t>2</a:t>
+            </a:r>
+            <a:endParaRPr kumimoji="1" lang="ja-JP" altLang="en-US" dirty="0"/>
+          </a:p>
+        </p:txBody>
+      </p:sp>
+      <p:sp>
+        <p:nvSpPr>
+          <p:cNvPr id="26" name="テキスト ボックス 25">
+            <a:extLst>
+              <a:ext uri="{FF2B5EF4-FFF2-40B4-BE49-F238E27FC236}">
+                <a16:creationId xmlns:a16="http://schemas.microsoft.com/office/drawing/2014/main" id="{3A545053-7971-3E4D-A68D-D0A7EE1766C0}"/>
+              </a:ext>
+            </a:extLst>
+          </p:cNvPr>
+          <p:cNvSpPr txBox="1"/>
+          <p:nvPr/>
+        </p:nvSpPr>
+        <p:spPr>
+          <a:xfrm>
+            <a:off x="2108425" y="1897951"/>
+            <a:ext cx="676788" cy="369332"/>
+          </a:xfrm>
+          <a:prstGeom prst="rect">
+            <a:avLst/>
+          </a:prstGeom>
+          <a:noFill/>
+        </p:spPr>
+        <p:txBody>
+          <a:bodyPr wrap="square" rtlCol="0">
+            <a:spAutoFit/>
+          </a:bodyPr>
+          <a:lstStyle/>
+          <a:p>
+            <a:pPr algn="ctr"/>
+            <a:r>
+              <a:rPr kumimoji="1" lang="en-US" altLang="ja-JP" dirty="0"/>
+              <a:t>-1</a:t>
+            </a:r>
+            <a:endParaRPr kumimoji="1" lang="ja-JP" altLang="en-US" dirty="0"/>
+          </a:p>
+        </p:txBody>
+      </p:sp>
+      <p:sp>
+        <p:nvSpPr>
+          <p:cNvPr id="27" name="テキスト ボックス 26">
+            <a:extLst>
+              <a:ext uri="{FF2B5EF4-FFF2-40B4-BE49-F238E27FC236}">
+                <a16:creationId xmlns:a16="http://schemas.microsoft.com/office/drawing/2014/main" id="{D5A4921B-D2FF-9445-90F6-E02B3A8E596E}"/>
+              </a:ext>
+            </a:extLst>
+          </p:cNvPr>
+          <p:cNvSpPr txBox="1"/>
+          <p:nvPr/>
+        </p:nvSpPr>
+        <p:spPr>
+          <a:xfrm>
+            <a:off x="3258352" y="1902572"/>
+            <a:ext cx="676788" cy="369332"/>
+          </a:xfrm>
+          <a:prstGeom prst="rect">
+            <a:avLst/>
+          </a:prstGeom>
+          <a:noFill/>
+        </p:spPr>
+        <p:txBody>
+          <a:bodyPr wrap="square" rtlCol="0">
+            <a:spAutoFit/>
+          </a:bodyPr>
+          <a:lstStyle/>
+          <a:p>
+            <a:pPr algn="ctr"/>
+            <a:r>
+              <a:rPr kumimoji="1" lang="en-US" altLang="ja-JP" dirty="0"/>
+              <a:t>-1</a:t>
+            </a:r>
+            <a:endParaRPr kumimoji="1" lang="ja-JP" altLang="en-US" dirty="0"/>
+          </a:p>
+        </p:txBody>
+      </p:sp>
+      <p:sp>
+        <p:nvSpPr>
+          <p:cNvPr id="28" name="テキスト ボックス 27">
+            <a:extLst>
+              <a:ext uri="{FF2B5EF4-FFF2-40B4-BE49-F238E27FC236}">
+                <a16:creationId xmlns:a16="http://schemas.microsoft.com/office/drawing/2014/main" id="{359A323D-8834-7148-AF77-1EF8BFF71DB1}"/>
+              </a:ext>
+            </a:extLst>
+          </p:cNvPr>
+          <p:cNvSpPr txBox="1"/>
+          <p:nvPr/>
+        </p:nvSpPr>
+        <p:spPr>
+          <a:xfrm>
+            <a:off x="3232728" y="2341294"/>
+            <a:ext cx="662361" cy="369332"/>
+          </a:xfrm>
+          <a:prstGeom prst="rect">
+            <a:avLst/>
+          </a:prstGeom>
+          <a:noFill/>
+        </p:spPr>
+        <p:txBody>
+          <a:bodyPr wrap="none" rtlCol="0">
+            <a:spAutoFit/>
+          </a:bodyPr>
+          <a:lstStyle/>
+          <a:p>
+            <a:r>
+              <a:rPr kumimoji="1" lang="en-US" altLang="ja-JP" dirty="0"/>
+              <a:t>2-V</a:t>
+            </a:r>
+            <a:r>
+              <a:rPr kumimoji="1" lang="en-US" altLang="ja-JP" sz="1400" dirty="0"/>
+              <a:t>3</a:t>
+            </a:r>
+            <a:endParaRPr kumimoji="1" lang="ja-JP" altLang="en-US" dirty="0"/>
+          </a:p>
+        </p:txBody>
+      </p:sp>
+      <p:sp>
+        <p:nvSpPr>
+          <p:cNvPr id="29" name="テキスト ボックス 28">
+            <a:extLst>
+              <a:ext uri="{FF2B5EF4-FFF2-40B4-BE49-F238E27FC236}">
+                <a16:creationId xmlns:a16="http://schemas.microsoft.com/office/drawing/2014/main" id="{7B91DDA0-4F18-A648-B624-D38BA2E595FE}"/>
+              </a:ext>
+            </a:extLst>
+          </p:cNvPr>
+          <p:cNvSpPr txBox="1"/>
+          <p:nvPr/>
+        </p:nvSpPr>
+        <p:spPr>
+          <a:xfrm>
+            <a:off x="2692400" y="2341294"/>
+            <a:ext cx="676788" cy="369332"/>
+          </a:xfrm>
+          <a:prstGeom prst="rect">
+            <a:avLst/>
+          </a:prstGeom>
+          <a:noFill/>
+        </p:spPr>
+        <p:txBody>
+          <a:bodyPr wrap="square" rtlCol="0">
+            <a:spAutoFit/>
+          </a:bodyPr>
+          <a:lstStyle/>
+          <a:p>
+            <a:pPr algn="ctr"/>
+            <a:r>
+              <a:rPr kumimoji="1" lang="en-US" altLang="ja-JP" dirty="0"/>
+              <a:t>-1</a:t>
+            </a:r>
+            <a:endParaRPr kumimoji="1" lang="ja-JP" altLang="en-US" dirty="0"/>
+          </a:p>
+        </p:txBody>
+      </p:sp>
+      <p:sp>
+        <p:nvSpPr>
+          <p:cNvPr id="30" name="テキスト ボックス 29">
+            <a:extLst>
+              <a:ext uri="{FF2B5EF4-FFF2-40B4-BE49-F238E27FC236}">
+                <a16:creationId xmlns:a16="http://schemas.microsoft.com/office/drawing/2014/main" id="{961B4442-7F99-F348-99EB-FBF21F8916D1}"/>
+              </a:ext>
+            </a:extLst>
+          </p:cNvPr>
+          <p:cNvSpPr txBox="1"/>
+          <p:nvPr/>
+        </p:nvSpPr>
+        <p:spPr>
+          <a:xfrm>
+            <a:off x="3842327" y="2345915"/>
+            <a:ext cx="676788" cy="369332"/>
+          </a:xfrm>
+          <a:prstGeom prst="rect">
+            <a:avLst/>
+          </a:prstGeom>
+          <a:noFill/>
+        </p:spPr>
+        <p:txBody>
+          <a:bodyPr wrap="square" rtlCol="0">
+            <a:spAutoFit/>
+          </a:bodyPr>
+          <a:lstStyle/>
+          <a:p>
+            <a:pPr algn="ctr"/>
+            <a:r>
+              <a:rPr kumimoji="1" lang="en-US" altLang="ja-JP" dirty="0"/>
+              <a:t>-1</a:t>
+            </a:r>
+            <a:endParaRPr kumimoji="1" lang="ja-JP" altLang="en-US" dirty="0"/>
+          </a:p>
+        </p:txBody>
+      </p:sp>
+      <p:sp>
+        <p:nvSpPr>
+          <p:cNvPr id="31" name="テキスト ボックス 30">
+            <a:extLst>
+              <a:ext uri="{FF2B5EF4-FFF2-40B4-BE49-F238E27FC236}">
+                <a16:creationId xmlns:a16="http://schemas.microsoft.com/office/drawing/2014/main" id="{2B1018F7-A448-7948-A0AF-2D0C5EBEF918}"/>
+              </a:ext>
+            </a:extLst>
+          </p:cNvPr>
+          <p:cNvSpPr txBox="1"/>
+          <p:nvPr/>
+        </p:nvSpPr>
+        <p:spPr>
+          <a:xfrm>
+            <a:off x="3798680" y="2789258"/>
+            <a:ext cx="662361" cy="369332"/>
+          </a:xfrm>
+          <a:prstGeom prst="rect">
+            <a:avLst/>
+          </a:prstGeom>
+          <a:noFill/>
+        </p:spPr>
+        <p:txBody>
+          <a:bodyPr wrap="none" rtlCol="0">
+            <a:spAutoFit/>
+          </a:bodyPr>
+          <a:lstStyle/>
+          <a:p>
+            <a:r>
+              <a:rPr kumimoji="1" lang="en-US" altLang="ja-JP" dirty="0"/>
+              <a:t>2-V</a:t>
+            </a:r>
+            <a:r>
+              <a:rPr kumimoji="1" lang="en-US" altLang="ja-JP" sz="1400" dirty="0"/>
+              <a:t>4</a:t>
+            </a:r>
+            <a:endParaRPr kumimoji="1" lang="ja-JP" altLang="en-US" dirty="0"/>
+          </a:p>
+        </p:txBody>
+      </p:sp>
+      <p:sp>
+        <p:nvSpPr>
+          <p:cNvPr id="32" name="テキスト ボックス 31">
+            <a:extLst>
+              <a:ext uri="{FF2B5EF4-FFF2-40B4-BE49-F238E27FC236}">
+                <a16:creationId xmlns:a16="http://schemas.microsoft.com/office/drawing/2014/main" id="{FB1AE1B7-61DF-6948-929B-7E5D8F5E50DA}"/>
+              </a:ext>
+            </a:extLst>
+          </p:cNvPr>
+          <p:cNvSpPr txBox="1"/>
+          <p:nvPr/>
+        </p:nvSpPr>
+        <p:spPr>
+          <a:xfrm>
+            <a:off x="3258352" y="2789258"/>
+            <a:ext cx="676788" cy="369332"/>
+          </a:xfrm>
+          <a:prstGeom prst="rect">
+            <a:avLst/>
+          </a:prstGeom>
+          <a:noFill/>
+        </p:spPr>
+        <p:txBody>
+          <a:bodyPr wrap="square" rtlCol="0">
+            <a:spAutoFit/>
+          </a:bodyPr>
+          <a:lstStyle/>
+          <a:p>
+            <a:pPr algn="ctr"/>
+            <a:r>
+              <a:rPr kumimoji="1" lang="en-US" altLang="ja-JP" dirty="0"/>
+              <a:t>-1</a:t>
+            </a:r>
+            <a:endParaRPr kumimoji="1" lang="ja-JP" altLang="en-US" dirty="0"/>
+          </a:p>
+        </p:txBody>
+      </p:sp>
+      <p:sp>
+        <p:nvSpPr>
+          <p:cNvPr id="33" name="テキスト ボックス 32">
+            <a:extLst>
+              <a:ext uri="{FF2B5EF4-FFF2-40B4-BE49-F238E27FC236}">
+                <a16:creationId xmlns:a16="http://schemas.microsoft.com/office/drawing/2014/main" id="{3ACF63DB-4F3F-1148-86B5-58CC66D6E2DB}"/>
+              </a:ext>
+            </a:extLst>
+          </p:cNvPr>
+          <p:cNvSpPr txBox="1"/>
+          <p:nvPr/>
+        </p:nvSpPr>
+        <p:spPr>
+          <a:xfrm>
+            <a:off x="4408279" y="2793879"/>
+            <a:ext cx="676788" cy="369332"/>
+          </a:xfrm>
+          <a:prstGeom prst="rect">
+            <a:avLst/>
+          </a:prstGeom>
+          <a:noFill/>
+        </p:spPr>
+        <p:txBody>
+          <a:bodyPr wrap="square" rtlCol="0">
+            <a:spAutoFit/>
+          </a:bodyPr>
+          <a:lstStyle/>
+          <a:p>
+            <a:pPr algn="ctr"/>
+            <a:r>
+              <a:rPr kumimoji="1" lang="en-US" altLang="ja-JP" dirty="0"/>
+              <a:t>-1</a:t>
+            </a:r>
+            <a:endParaRPr kumimoji="1" lang="ja-JP" altLang="en-US" dirty="0"/>
+          </a:p>
+        </p:txBody>
+      </p:sp>
+      <p:sp>
+        <p:nvSpPr>
+          <p:cNvPr id="34" name="テキスト ボックス 33">
+            <a:extLst>
+              <a:ext uri="{FF2B5EF4-FFF2-40B4-BE49-F238E27FC236}">
+                <a16:creationId xmlns:a16="http://schemas.microsoft.com/office/drawing/2014/main" id="{CD43D809-0B7E-E543-A8DB-8571CD692A98}"/>
+              </a:ext>
+            </a:extLst>
+          </p:cNvPr>
+          <p:cNvSpPr txBox="1"/>
+          <p:nvPr/>
+        </p:nvSpPr>
+        <p:spPr>
+          <a:xfrm>
+            <a:off x="6105240" y="1449865"/>
+            <a:ext cx="676788" cy="369332"/>
+          </a:xfrm>
+          <a:prstGeom prst="rect">
+            <a:avLst/>
+          </a:prstGeom>
+          <a:noFill/>
+        </p:spPr>
+        <p:txBody>
+          <a:bodyPr wrap="square" rtlCol="0">
+            <a:spAutoFit/>
+          </a:bodyPr>
+          <a:lstStyle/>
+          <a:p>
+            <a:pPr algn="ctr"/>
+            <a:r>
+              <a:rPr kumimoji="1" lang="en-US" altLang="ja-JP" dirty="0"/>
+              <a:t>-1</a:t>
+            </a:r>
+            <a:endParaRPr kumimoji="1" lang="ja-JP" altLang="en-US" dirty="0"/>
+          </a:p>
+        </p:txBody>
+      </p:sp>
+      <p:sp>
+        <p:nvSpPr>
+          <p:cNvPr id="35" name="テキスト ボックス 34">
+            <a:extLst>
+              <a:ext uri="{FF2B5EF4-FFF2-40B4-BE49-F238E27FC236}">
+                <a16:creationId xmlns:a16="http://schemas.microsoft.com/office/drawing/2014/main" id="{108F0EAB-B5B5-1E46-A1C2-F1BB1BB08B92}"/>
+              </a:ext>
+            </a:extLst>
+          </p:cNvPr>
+          <p:cNvSpPr txBox="1"/>
+          <p:nvPr/>
+        </p:nvSpPr>
+        <p:spPr>
+          <a:xfrm>
+            <a:off x="4669569" y="3158590"/>
+            <a:ext cx="415498" cy="369332"/>
+          </a:xfrm>
+          <a:prstGeom prst="rect">
+            <a:avLst/>
+          </a:prstGeom>
+          <a:noFill/>
+        </p:spPr>
+        <p:txBody>
+          <a:bodyPr wrap="none" rtlCol="0">
+            <a:spAutoFit/>
+          </a:bodyPr>
+          <a:lstStyle/>
+          <a:p>
+            <a:r>
+              <a:rPr kumimoji="1" lang="ja-JP" altLang="en-US" dirty="0"/>
+              <a:t>・</a:t>
+            </a:r>
+          </a:p>
+        </p:txBody>
+      </p:sp>
+      <p:sp>
+        <p:nvSpPr>
+          <p:cNvPr id="36" name="テキスト ボックス 35">
+            <a:extLst>
+              <a:ext uri="{FF2B5EF4-FFF2-40B4-BE49-F238E27FC236}">
+                <a16:creationId xmlns:a16="http://schemas.microsoft.com/office/drawing/2014/main" id="{9088FEE9-9C31-EE44-9BE2-99664D07AEA1}"/>
+              </a:ext>
+            </a:extLst>
+          </p:cNvPr>
+          <p:cNvSpPr txBox="1"/>
+          <p:nvPr/>
+        </p:nvSpPr>
+        <p:spPr>
+          <a:xfrm>
+            <a:off x="4963772" y="3522932"/>
+            <a:ext cx="415498" cy="369332"/>
+          </a:xfrm>
+          <a:prstGeom prst="rect">
+            <a:avLst/>
+          </a:prstGeom>
+          <a:noFill/>
+        </p:spPr>
+        <p:txBody>
+          <a:bodyPr wrap="none" rtlCol="0">
+            <a:spAutoFit/>
+          </a:bodyPr>
+          <a:lstStyle/>
+          <a:p>
+            <a:r>
+              <a:rPr kumimoji="1" lang="ja-JP" altLang="en-US" dirty="0"/>
+              <a:t>・</a:t>
+            </a:r>
+          </a:p>
+        </p:txBody>
+      </p:sp>
+      <p:sp>
+        <p:nvSpPr>
+          <p:cNvPr id="37" name="テキスト ボックス 36">
+            <a:extLst>
+              <a:ext uri="{FF2B5EF4-FFF2-40B4-BE49-F238E27FC236}">
+                <a16:creationId xmlns:a16="http://schemas.microsoft.com/office/drawing/2014/main" id="{0AEC1025-2AF5-A043-86D9-0AE6B983B86C}"/>
+              </a:ext>
+            </a:extLst>
+          </p:cNvPr>
+          <p:cNvSpPr txBox="1"/>
+          <p:nvPr/>
+        </p:nvSpPr>
+        <p:spPr>
+          <a:xfrm>
+            <a:off x="5257975" y="3882653"/>
+            <a:ext cx="415498" cy="369332"/>
+          </a:xfrm>
+          <a:prstGeom prst="rect">
+            <a:avLst/>
+          </a:prstGeom>
+          <a:noFill/>
+        </p:spPr>
+        <p:txBody>
+          <a:bodyPr wrap="none" rtlCol="0">
+            <a:spAutoFit/>
+          </a:bodyPr>
+          <a:lstStyle/>
+          <a:p>
+            <a:r>
+              <a:rPr kumimoji="1" lang="ja-JP" altLang="en-US" dirty="0"/>
+              <a:t>・</a:t>
+            </a:r>
+          </a:p>
+        </p:txBody>
+      </p:sp>
+      <p:sp>
+        <p:nvSpPr>
+          <p:cNvPr id="38" name="テキスト ボックス 37">
+            <a:extLst>
+              <a:ext uri="{FF2B5EF4-FFF2-40B4-BE49-F238E27FC236}">
+                <a16:creationId xmlns:a16="http://schemas.microsoft.com/office/drawing/2014/main" id="{0906BAA3-5458-8143-8371-1D6F15D76D48}"/>
+              </a:ext>
+            </a:extLst>
+          </p:cNvPr>
+          <p:cNvSpPr txBox="1"/>
+          <p:nvPr/>
+        </p:nvSpPr>
+        <p:spPr>
+          <a:xfrm>
+            <a:off x="6066208" y="4214919"/>
+            <a:ext cx="697627" cy="369332"/>
+          </a:xfrm>
+          <a:prstGeom prst="rect">
+            <a:avLst/>
+          </a:prstGeom>
+          <a:noFill/>
+        </p:spPr>
+        <p:txBody>
+          <a:bodyPr wrap="none" rtlCol="0">
+            <a:spAutoFit/>
+          </a:bodyPr>
+          <a:lstStyle/>
+          <a:p>
+            <a:r>
+              <a:rPr kumimoji="1" lang="en-US" altLang="ja-JP" dirty="0"/>
+              <a:t>2-Vn</a:t>
+            </a:r>
+            <a:endParaRPr kumimoji="1" lang="ja-JP" altLang="en-US" dirty="0"/>
+          </a:p>
+        </p:txBody>
+      </p:sp>
+      <p:sp>
+        <p:nvSpPr>
+          <p:cNvPr id="39" name="テキスト ボックス 38">
+            <a:extLst>
+              <a:ext uri="{FF2B5EF4-FFF2-40B4-BE49-F238E27FC236}">
+                <a16:creationId xmlns:a16="http://schemas.microsoft.com/office/drawing/2014/main" id="{9128BB2D-619B-824A-8CA1-1A5C4870B417}"/>
+              </a:ext>
+            </a:extLst>
+          </p:cNvPr>
+          <p:cNvSpPr txBox="1"/>
+          <p:nvPr/>
+        </p:nvSpPr>
+        <p:spPr>
+          <a:xfrm>
+            <a:off x="5525880" y="4214919"/>
+            <a:ext cx="676788" cy="369332"/>
+          </a:xfrm>
+          <a:prstGeom prst="rect">
+            <a:avLst/>
+          </a:prstGeom>
+          <a:noFill/>
+        </p:spPr>
+        <p:txBody>
+          <a:bodyPr wrap="square" rtlCol="0">
+            <a:spAutoFit/>
+          </a:bodyPr>
+          <a:lstStyle/>
+          <a:p>
+            <a:pPr algn="ctr"/>
+            <a:r>
+              <a:rPr kumimoji="1" lang="en-US" altLang="ja-JP" dirty="0"/>
+              <a:t>-1</a:t>
+            </a:r>
+            <a:endParaRPr kumimoji="1" lang="ja-JP" altLang="en-US" dirty="0"/>
+          </a:p>
+        </p:txBody>
+      </p:sp>
+      <p:sp>
+        <p:nvSpPr>
+          <p:cNvPr id="40" name="テキスト ボックス 39">
+            <a:extLst>
+              <a:ext uri="{FF2B5EF4-FFF2-40B4-BE49-F238E27FC236}">
+                <a16:creationId xmlns:a16="http://schemas.microsoft.com/office/drawing/2014/main" id="{A1848E49-95E0-504F-905E-09FAD91C5C48}"/>
+              </a:ext>
+            </a:extLst>
+          </p:cNvPr>
+          <p:cNvSpPr txBox="1"/>
+          <p:nvPr/>
+        </p:nvSpPr>
+        <p:spPr>
+          <a:xfrm>
+            <a:off x="2076081" y="4219540"/>
+            <a:ext cx="676788" cy="369332"/>
+          </a:xfrm>
+          <a:prstGeom prst="rect">
+            <a:avLst/>
+          </a:prstGeom>
+          <a:noFill/>
+        </p:spPr>
+        <p:txBody>
+          <a:bodyPr wrap="square" rtlCol="0">
+            <a:spAutoFit/>
+          </a:bodyPr>
+          <a:lstStyle/>
+          <a:p>
+            <a:pPr algn="ctr"/>
+            <a:r>
+              <a:rPr kumimoji="1" lang="en-US" altLang="ja-JP" dirty="0"/>
+              <a:t>-1</a:t>
+            </a:r>
+            <a:endParaRPr kumimoji="1" lang="ja-JP" altLang="en-US" dirty="0"/>
+          </a:p>
+        </p:txBody>
+      </p:sp>
+      <p:sp>
+        <p:nvSpPr>
+          <p:cNvPr id="41" name="大かっこ 40">
+            <a:extLst>
+              <a:ext uri="{FF2B5EF4-FFF2-40B4-BE49-F238E27FC236}">
+                <a16:creationId xmlns:a16="http://schemas.microsoft.com/office/drawing/2014/main" id="{3E7E2292-1BC4-4B40-9F2E-B6F183FB2133}"/>
+              </a:ext>
+            </a:extLst>
+          </p:cNvPr>
+          <p:cNvSpPr/>
+          <p:nvPr/>
+        </p:nvSpPr>
+        <p:spPr>
+          <a:xfrm>
+            <a:off x="1856509" y="1422158"/>
+            <a:ext cx="5015346" cy="3232970"/>
+          </a:xfrm>
+          <a:prstGeom prst="bracketPair">
+            <a:avLst>
+              <a:gd name="adj" fmla="val 8193"/>
+            </a:avLst>
+          </a:prstGeom>
+          <a:ln>
+            <a:solidFill>
+              <a:schemeClr val="tx1"/>
+            </a:solidFill>
+          </a:ln>
+        </p:spPr>
+        <p:style>
+          <a:lnRef idx="1">
+            <a:schemeClr val="accent1"/>
+          </a:lnRef>
+          <a:fillRef idx="0">
+            <a:schemeClr val="accent1"/>
+          </a:fillRef>
+          <a:effectRef idx="0">
+            <a:schemeClr val="accent1"/>
+          </a:effectRef>
+          <a:fontRef idx="minor">
+            <a:schemeClr val="tx1"/>
+          </a:fontRef>
+        </p:style>
+        <p:txBody>
+          <a:bodyPr rtlCol="0" anchor="ctr"/>
+          <a:lstStyle/>
+          <a:p>
+            <a:pPr algn="ctr"/>
+            <a:endParaRPr kumimoji="1" lang="ja-JP" altLang="en-US"/>
+          </a:p>
+        </p:txBody>
+      </p:sp>
+    </p:spTree>
+    <p:extLst>
+      <p:ext uri="{BB962C8B-B14F-4D97-AF65-F5344CB8AC3E}">
+        <p14:creationId xmlns:p14="http://schemas.microsoft.com/office/powerpoint/2010/main" val="1733291720"/>
       </p:ext>
     </p:extLst>
   </p:cSld>

--- a/linear/fig/fig.pptx
+++ b/linear/fig/fig.pptx
@@ -7,6 +7,7 @@
   <p:sldIdLst>
     <p:sldId id="256" r:id="rId2"/>
     <p:sldId id="257" r:id="rId3"/>
+    <p:sldId id="258" r:id="rId4"/>
   </p:sldIdLst>
   <p:sldSz cx="12192000" cy="6858000"/>
   <p:notesSz cx="6858000" cy="9144000"/>
@@ -4594,6 +4595,609 @@
 </p:sld>
 </file>
 
+<file path=ppt/slides/slide3.xml><?xml version="1.0" encoding="utf-8"?>
+<p:sld xmlns:a="http://schemas.openxmlformats.org/drawingml/2006/main" xmlns:r="http://schemas.openxmlformats.org/officeDocument/2006/relationships" xmlns:p="http://schemas.openxmlformats.org/presentationml/2006/main">
+  <p:cSld>
+    <p:spTree>
+      <p:nvGrpSpPr>
+        <p:cNvPr id="1" name=""/>
+        <p:cNvGrpSpPr/>
+        <p:nvPr/>
+      </p:nvGrpSpPr>
+      <p:grpSpPr>
+        <a:xfrm>
+          <a:off x="0" y="0"/>
+          <a:ext cx="0" cy="0"/>
+          <a:chOff x="0" y="0"/>
+          <a:chExt cx="0" cy="0"/>
+        </a:xfrm>
+      </p:grpSpPr>
+      <p:pic>
+        <p:nvPicPr>
+          <p:cNvPr id="4" name="図 3">
+            <a:extLst>
+              <a:ext uri="{FF2B5EF4-FFF2-40B4-BE49-F238E27FC236}">
+                <a16:creationId xmlns:a16="http://schemas.microsoft.com/office/drawing/2014/main" id="{E3A643F2-1346-4943-8DBE-DE49F908C048}"/>
+              </a:ext>
+            </a:extLst>
+          </p:cNvPr>
+          <p:cNvPicPr>
+            <a:picLocks noChangeAspect="1"/>
+          </p:cNvPicPr>
+          <p:nvPr/>
+        </p:nvPicPr>
+        <p:blipFill>
+          <a:blip r:embed="rId2"/>
+          <a:stretch>
+            <a:fillRect/>
+          </a:stretch>
+        </p:blipFill>
+        <p:spPr>
+          <a:xfrm flipH="1">
+            <a:off x="1512529" y="1505419"/>
+            <a:ext cx="1385455" cy="997528"/>
+          </a:xfrm>
+          <a:prstGeom prst="rect">
+            <a:avLst/>
+          </a:prstGeom>
+        </p:spPr>
+      </p:pic>
+      <p:pic>
+        <p:nvPicPr>
+          <p:cNvPr id="5" name="図 4">
+            <a:extLst>
+              <a:ext uri="{FF2B5EF4-FFF2-40B4-BE49-F238E27FC236}">
+                <a16:creationId xmlns:a16="http://schemas.microsoft.com/office/drawing/2014/main" id="{18719DA2-86EF-3541-93F7-2AA112227DDD}"/>
+              </a:ext>
+            </a:extLst>
+          </p:cNvPr>
+          <p:cNvPicPr>
+            <a:picLocks noChangeAspect="1"/>
+          </p:cNvPicPr>
+          <p:nvPr/>
+        </p:nvPicPr>
+        <p:blipFill>
+          <a:blip r:embed="rId3"/>
+          <a:stretch>
+            <a:fillRect/>
+          </a:stretch>
+        </p:blipFill>
+        <p:spPr>
+          <a:xfrm flipH="1">
+            <a:off x="4491411" y="1505419"/>
+            <a:ext cx="1385455" cy="997528"/>
+          </a:xfrm>
+          <a:prstGeom prst="rect">
+            <a:avLst/>
+          </a:prstGeom>
+        </p:spPr>
+      </p:pic>
+      <mc:AlternateContent xmlns:mc="http://schemas.openxmlformats.org/markup-compatibility/2006">
+        <mc:Choice xmlns:a14="http://schemas.microsoft.com/office/drawing/2010/main" Requires="a14">
+          <p:sp>
+            <p:nvSpPr>
+              <p:cNvPr id="9" name="テキスト ボックス 8">
+                <a:extLst>
+                  <a:ext uri="{FF2B5EF4-FFF2-40B4-BE49-F238E27FC236}">
+                    <a16:creationId xmlns:a16="http://schemas.microsoft.com/office/drawing/2014/main" id="{336D0DD4-ADE9-9D4C-AADD-429E07DDB5C9}"/>
+                  </a:ext>
+                </a:extLst>
+              </p:cNvPr>
+              <p:cNvSpPr txBox="1"/>
+              <p:nvPr/>
+            </p:nvSpPr>
+            <p:spPr>
+              <a:xfrm>
+                <a:off x="1864426" y="267194"/>
+                <a:ext cx="547201" cy="492443"/>
+              </a:xfrm>
+              <a:prstGeom prst="rect">
+                <a:avLst/>
+              </a:prstGeom>
+              <a:noFill/>
+            </p:spPr>
+            <p:txBody>
+              <a:bodyPr wrap="none" lIns="0" tIns="0" rIns="0" bIns="0" rtlCol="0">
+                <a:spAutoFit/>
+              </a:bodyPr>
+              <a:lstStyle/>
+              <a:p>
+                <a14:m>
+                  <m:oMathPara xmlns:m="http://schemas.openxmlformats.org/officeDocument/2006/math">
+                    <m:oMathParaPr>
+                      <m:jc m:val="centerGroup"/>
+                    </m:oMathParaPr>
+                    <m:oMath xmlns:m="http://schemas.openxmlformats.org/officeDocument/2006/math">
+                      <m:sSub>
+                        <m:sSubPr>
+                          <m:ctrlPr>
+                            <a:rPr kumimoji="1" lang="en-US" altLang="ja-JP" sz="3200" b="0" i="1">
+                              <a:latin typeface="Cambria Math" panose="02040503050406030204" pitchFamily="18" charset="0"/>
+                            </a:rPr>
+                          </m:ctrlPr>
+                        </m:sSubPr>
+                        <m:e>
+                          <m:r>
+                            <a:rPr kumimoji="1" lang="en-US" altLang="ja-JP" sz="3200" b="0" i="1">
+                              <a:latin typeface="Cambria Math" panose="02040503050406030204" pitchFamily="18" charset="0"/>
+                            </a:rPr>
+                            <m:t>𝑥</m:t>
+                          </m:r>
+                        </m:e>
+                        <m:sub>
+                          <m:r>
+                            <a:rPr kumimoji="1" lang="en-US" altLang="ja-JP" sz="3200" b="0" i="1">
+                              <a:latin typeface="Cambria Math" panose="02040503050406030204" pitchFamily="18" charset="0"/>
+                            </a:rPr>
+                            <m:t>𝑛</m:t>
+                          </m:r>
+                        </m:sub>
+                      </m:sSub>
+                    </m:oMath>
+                  </m:oMathPara>
+                </a14:m>
+                <a:endParaRPr kumimoji="1" lang="ja-JP" altLang="en-US" sz="3200"/>
+              </a:p>
+            </p:txBody>
+          </p:sp>
+        </mc:Choice>
+        <mc:Fallback>
+          <p:sp>
+            <p:nvSpPr>
+              <p:cNvPr id="9" name="テキスト ボックス 8">
+                <a:extLst>
+                  <a:ext uri="{FF2B5EF4-FFF2-40B4-BE49-F238E27FC236}">
+                    <a16:creationId xmlns:a16="http://schemas.microsoft.com/office/drawing/2014/main" id="{336D0DD4-ADE9-9D4C-AADD-429E07DDB5C9}"/>
+                  </a:ext>
+                </a:extLst>
+              </p:cNvPr>
+              <p:cNvSpPr txBox="1">
+                <a:spLocks noRot="1" noChangeAspect="1" noMove="1" noResize="1" noEditPoints="1" noAdjustHandles="1" noChangeArrowheads="1" noChangeShapeType="1" noTextEdit="1"/>
+              </p:cNvSpPr>
+              <p:nvPr/>
+            </p:nvSpPr>
+            <p:spPr>
+              <a:xfrm>
+                <a:off x="1864426" y="267194"/>
+                <a:ext cx="547201" cy="492443"/>
+              </a:xfrm>
+              <a:prstGeom prst="rect">
+                <a:avLst/>
+              </a:prstGeom>
+              <a:blipFill>
+                <a:blip r:embed="rId4"/>
+                <a:stretch>
+                  <a:fillRect l="-4545" b="-10000"/>
+                </a:stretch>
+              </a:blipFill>
+            </p:spPr>
+            <p:txBody>
+              <a:bodyPr/>
+              <a:lstStyle/>
+              <a:p>
+                <a:r>
+                  <a:rPr lang="ja-JP" altLang="en-US">
+                    <a:noFill/>
+                  </a:rPr>
+                  <a:t> </a:t>
+                </a:r>
+              </a:p>
+            </p:txBody>
+          </p:sp>
+        </mc:Fallback>
+      </mc:AlternateContent>
+      <mc:AlternateContent xmlns:mc="http://schemas.openxmlformats.org/markup-compatibility/2006">
+        <mc:Choice xmlns:a14="http://schemas.microsoft.com/office/drawing/2010/main" Requires="a14">
+          <p:sp>
+            <p:nvSpPr>
+              <p:cNvPr id="10" name="テキスト ボックス 9">
+                <a:extLst>
+                  <a:ext uri="{FF2B5EF4-FFF2-40B4-BE49-F238E27FC236}">
+                    <a16:creationId xmlns:a16="http://schemas.microsoft.com/office/drawing/2014/main" id="{DFF626A0-474A-B94E-8EA5-4DCD4435CE15}"/>
+                  </a:ext>
+                </a:extLst>
+              </p:cNvPr>
+              <p:cNvSpPr txBox="1"/>
+              <p:nvPr/>
+            </p:nvSpPr>
+            <p:spPr>
+              <a:xfrm>
+                <a:off x="3014352" y="1464623"/>
+                <a:ext cx="531940" cy="492443"/>
+              </a:xfrm>
+              <a:prstGeom prst="rect">
+                <a:avLst/>
+              </a:prstGeom>
+              <a:noFill/>
+            </p:spPr>
+            <p:txBody>
+              <a:bodyPr wrap="none" lIns="0" tIns="0" rIns="0" bIns="0" rtlCol="0">
+                <a:spAutoFit/>
+              </a:bodyPr>
+              <a:lstStyle/>
+              <a:p>
+                <a14:m>
+                  <m:oMathPara xmlns:m="http://schemas.openxmlformats.org/officeDocument/2006/math">
+                    <m:oMathParaPr>
+                      <m:jc m:val="centerGroup"/>
+                    </m:oMathParaPr>
+                    <m:oMath xmlns:m="http://schemas.openxmlformats.org/officeDocument/2006/math">
+                      <m:sSub>
+                        <m:sSubPr>
+                          <m:ctrlPr>
+                            <a:rPr kumimoji="1" lang="en-US" altLang="ja-JP" sz="3200" b="0" i="1">
+                              <a:latin typeface="Cambria Math" panose="02040503050406030204" pitchFamily="18" charset="0"/>
+                            </a:rPr>
+                          </m:ctrlPr>
+                        </m:sSubPr>
+                        <m:e>
+                          <m:r>
+                            <a:rPr kumimoji="1" lang="en-US" altLang="ja-JP" sz="3200" b="0" i="1">
+                              <a:latin typeface="Cambria Math" panose="02040503050406030204" pitchFamily="18" charset="0"/>
+                            </a:rPr>
+                            <m:t>𝑣</m:t>
+                          </m:r>
+                        </m:e>
+                        <m:sub>
+                          <m:r>
+                            <a:rPr kumimoji="1" lang="en-US" altLang="ja-JP" sz="3200" b="0" i="1">
+                              <a:latin typeface="Cambria Math" panose="02040503050406030204" pitchFamily="18" charset="0"/>
+                            </a:rPr>
+                            <m:t>𝑛</m:t>
+                          </m:r>
+                        </m:sub>
+                      </m:sSub>
+                    </m:oMath>
+                  </m:oMathPara>
+                </a14:m>
+                <a:endParaRPr kumimoji="1" lang="ja-JP" altLang="en-US" sz="3200"/>
+              </a:p>
+            </p:txBody>
+          </p:sp>
+        </mc:Choice>
+        <mc:Fallback>
+          <p:sp>
+            <p:nvSpPr>
+              <p:cNvPr id="10" name="テキスト ボックス 9">
+                <a:extLst>
+                  <a:ext uri="{FF2B5EF4-FFF2-40B4-BE49-F238E27FC236}">
+                    <a16:creationId xmlns:a16="http://schemas.microsoft.com/office/drawing/2014/main" id="{DFF626A0-474A-B94E-8EA5-4DCD4435CE15}"/>
+                  </a:ext>
+                </a:extLst>
+              </p:cNvPr>
+              <p:cNvSpPr txBox="1">
+                <a:spLocks noRot="1" noChangeAspect="1" noMove="1" noResize="1" noEditPoints="1" noAdjustHandles="1" noChangeArrowheads="1" noChangeShapeType="1" noTextEdit="1"/>
+              </p:cNvSpPr>
+              <p:nvPr/>
+            </p:nvSpPr>
+            <p:spPr>
+              <a:xfrm>
+                <a:off x="3014352" y="1464623"/>
+                <a:ext cx="531940" cy="492443"/>
+              </a:xfrm>
+              <a:prstGeom prst="rect">
+                <a:avLst/>
+              </a:prstGeom>
+              <a:blipFill>
+                <a:blip r:embed="rId5"/>
+                <a:stretch>
+                  <a:fillRect l="-4651" b="-10000"/>
+                </a:stretch>
+              </a:blipFill>
+            </p:spPr>
+            <p:txBody>
+              <a:bodyPr/>
+              <a:lstStyle/>
+              <a:p>
+                <a:r>
+                  <a:rPr lang="ja-JP" altLang="en-US">
+                    <a:noFill/>
+                  </a:rPr>
+                  <a:t> </a:t>
+                </a:r>
+              </a:p>
+            </p:txBody>
+          </p:sp>
+        </mc:Fallback>
+      </mc:AlternateContent>
+      <mc:AlternateContent xmlns:mc="http://schemas.openxmlformats.org/markup-compatibility/2006">
+        <mc:Choice xmlns:a14="http://schemas.microsoft.com/office/drawing/2010/main" Requires="a14">
+          <p:sp>
+            <p:nvSpPr>
+              <p:cNvPr id="11" name="テキスト ボックス 10">
+                <a:extLst>
+                  <a:ext uri="{FF2B5EF4-FFF2-40B4-BE49-F238E27FC236}">
+                    <a16:creationId xmlns:a16="http://schemas.microsoft.com/office/drawing/2014/main" id="{C8190A86-D7F2-2044-807F-A83A520440E2}"/>
+                  </a:ext>
+                </a:extLst>
+              </p:cNvPr>
+              <p:cNvSpPr txBox="1"/>
+              <p:nvPr/>
+            </p:nvSpPr>
+            <p:spPr>
+              <a:xfrm>
+                <a:off x="4712524" y="241466"/>
+                <a:ext cx="938334" cy="492443"/>
+              </a:xfrm>
+              <a:prstGeom prst="rect">
+                <a:avLst/>
+              </a:prstGeom>
+              <a:noFill/>
+            </p:spPr>
+            <p:txBody>
+              <a:bodyPr wrap="none" lIns="0" tIns="0" rIns="0" bIns="0" rtlCol="0">
+                <a:spAutoFit/>
+              </a:bodyPr>
+              <a:lstStyle/>
+              <a:p>
+                <a14:m>
+                  <m:oMathPara xmlns:m="http://schemas.openxmlformats.org/officeDocument/2006/math">
+                    <m:oMathParaPr>
+                      <m:jc m:val="centerGroup"/>
+                    </m:oMathParaPr>
+                    <m:oMath xmlns:m="http://schemas.openxmlformats.org/officeDocument/2006/math">
+                      <m:sSub>
+                        <m:sSubPr>
+                          <m:ctrlPr>
+                            <a:rPr kumimoji="1" lang="en-US" altLang="ja-JP" sz="3200" b="0" i="1">
+                              <a:latin typeface="Cambria Math" panose="02040503050406030204" pitchFamily="18" charset="0"/>
+                            </a:rPr>
+                          </m:ctrlPr>
+                        </m:sSubPr>
+                        <m:e>
+                          <m:r>
+                            <a:rPr kumimoji="1" lang="en-US" altLang="ja-JP" sz="3200" b="0" i="1">
+                              <a:latin typeface="Cambria Math" panose="02040503050406030204" pitchFamily="18" charset="0"/>
+                            </a:rPr>
+                            <m:t>𝑥</m:t>
+                          </m:r>
+                        </m:e>
+                        <m:sub>
+                          <m:r>
+                            <a:rPr kumimoji="1" lang="en-US" altLang="ja-JP" sz="3200" b="0" i="1">
+                              <a:latin typeface="Cambria Math" panose="02040503050406030204" pitchFamily="18" charset="0"/>
+                            </a:rPr>
+                            <m:t>𝑛</m:t>
+                          </m:r>
+                          <m:r>
+                            <a:rPr kumimoji="1" lang="en-US" altLang="ja-JP" sz="3200" b="0" i="1">
+                              <a:latin typeface="Cambria Math" panose="02040503050406030204" pitchFamily="18" charset="0"/>
+                            </a:rPr>
+                            <m:t>+1</m:t>
+                          </m:r>
+                        </m:sub>
+                      </m:sSub>
+                    </m:oMath>
+                  </m:oMathPara>
+                </a14:m>
+                <a:endParaRPr kumimoji="1" lang="ja-JP" altLang="en-US" sz="3200"/>
+              </a:p>
+            </p:txBody>
+          </p:sp>
+        </mc:Choice>
+        <mc:Fallback>
+          <p:sp>
+            <p:nvSpPr>
+              <p:cNvPr id="11" name="テキスト ボックス 10">
+                <a:extLst>
+                  <a:ext uri="{FF2B5EF4-FFF2-40B4-BE49-F238E27FC236}">
+                    <a16:creationId xmlns:a16="http://schemas.microsoft.com/office/drawing/2014/main" id="{C8190A86-D7F2-2044-807F-A83A520440E2}"/>
+                  </a:ext>
+                </a:extLst>
+              </p:cNvPr>
+              <p:cNvSpPr txBox="1">
+                <a:spLocks noRot="1" noChangeAspect="1" noMove="1" noResize="1" noEditPoints="1" noAdjustHandles="1" noChangeArrowheads="1" noChangeShapeType="1" noTextEdit="1"/>
+              </p:cNvSpPr>
+              <p:nvPr/>
+            </p:nvSpPr>
+            <p:spPr>
+              <a:xfrm>
+                <a:off x="4712524" y="241466"/>
+                <a:ext cx="938334" cy="492443"/>
+              </a:xfrm>
+              <a:prstGeom prst="rect">
+                <a:avLst/>
+              </a:prstGeom>
+              <a:blipFill>
+                <a:blip r:embed="rId6"/>
+                <a:stretch>
+                  <a:fillRect l="-2667" b="-12500"/>
+                </a:stretch>
+              </a:blipFill>
+            </p:spPr>
+            <p:txBody>
+              <a:bodyPr/>
+              <a:lstStyle/>
+              <a:p>
+                <a:r>
+                  <a:rPr lang="ja-JP" altLang="en-US">
+                    <a:noFill/>
+                  </a:rPr>
+                  <a:t> </a:t>
+                </a:r>
+              </a:p>
+            </p:txBody>
+          </p:sp>
+        </mc:Fallback>
+      </mc:AlternateContent>
+      <p:cxnSp>
+        <p:nvCxnSpPr>
+          <p:cNvPr id="13" name="直線矢印コネクタ 12">
+            <a:extLst>
+              <a:ext uri="{FF2B5EF4-FFF2-40B4-BE49-F238E27FC236}">
+                <a16:creationId xmlns:a16="http://schemas.microsoft.com/office/drawing/2014/main" id="{02E7E8A9-8D1B-8248-BF02-9A52A9DEBBD5}"/>
+              </a:ext>
+            </a:extLst>
+          </p:cNvPr>
+          <p:cNvCxnSpPr>
+            <a:cxnSpLocks/>
+          </p:cNvCxnSpPr>
+          <p:nvPr/>
+        </p:nvCxnSpPr>
+        <p:spPr>
+          <a:xfrm flipV="1">
+            <a:off x="2885704" y="2125684"/>
+            <a:ext cx="1436915" cy="1"/>
+          </a:xfrm>
+          <a:prstGeom prst="straightConnector1">
+            <a:avLst/>
+          </a:prstGeom>
+          <a:ln>
+            <a:solidFill>
+              <a:schemeClr val="tx1"/>
+            </a:solidFill>
+            <a:tailEnd type="triangle"/>
+          </a:ln>
+        </p:spPr>
+        <p:style>
+          <a:lnRef idx="1">
+            <a:schemeClr val="accent1"/>
+          </a:lnRef>
+          <a:fillRef idx="0">
+            <a:schemeClr val="accent1"/>
+          </a:fillRef>
+          <a:effectRef idx="0">
+            <a:schemeClr val="accent1"/>
+          </a:effectRef>
+          <a:fontRef idx="minor">
+            <a:schemeClr val="tx1"/>
+          </a:fontRef>
+        </p:style>
+      </p:cxnSp>
+      <p:cxnSp>
+        <p:nvCxnSpPr>
+          <p:cNvPr id="18" name="直線矢印コネクタ 17">
+            <a:extLst>
+              <a:ext uri="{FF2B5EF4-FFF2-40B4-BE49-F238E27FC236}">
+                <a16:creationId xmlns:a16="http://schemas.microsoft.com/office/drawing/2014/main" id="{18253D3C-BC8A-CF45-9B9A-C8EE523A9DA7}"/>
+              </a:ext>
+            </a:extLst>
+          </p:cNvPr>
+          <p:cNvCxnSpPr>
+            <a:cxnSpLocks/>
+          </p:cNvCxnSpPr>
+          <p:nvPr/>
+        </p:nvCxnSpPr>
+        <p:spPr>
+          <a:xfrm>
+            <a:off x="2090057" y="1149930"/>
+            <a:ext cx="2921330" cy="0"/>
+          </a:xfrm>
+          <a:prstGeom prst="straightConnector1">
+            <a:avLst/>
+          </a:prstGeom>
+          <a:ln>
+            <a:solidFill>
+              <a:schemeClr val="tx1"/>
+            </a:solidFill>
+            <a:headEnd type="arrow" w="med" len="med"/>
+            <a:tailEnd type="arrow" w="med" len="med"/>
+          </a:ln>
+        </p:spPr>
+        <p:style>
+          <a:lnRef idx="1">
+            <a:schemeClr val="accent1"/>
+          </a:lnRef>
+          <a:fillRef idx="0">
+            <a:schemeClr val="accent1"/>
+          </a:fillRef>
+          <a:effectRef idx="0">
+            <a:schemeClr val="accent1"/>
+          </a:effectRef>
+          <a:fontRef idx="minor">
+            <a:schemeClr val="tx1"/>
+          </a:fontRef>
+        </p:style>
+      </p:cxnSp>
+      <p:cxnSp>
+        <p:nvCxnSpPr>
+          <p:cNvPr id="22" name="直線コネクタ 21">
+            <a:extLst>
+              <a:ext uri="{FF2B5EF4-FFF2-40B4-BE49-F238E27FC236}">
+                <a16:creationId xmlns:a16="http://schemas.microsoft.com/office/drawing/2014/main" id="{0E7EC258-1D56-6149-A170-0FC17D33CB9B}"/>
+              </a:ext>
+            </a:extLst>
+          </p:cNvPr>
+          <p:cNvCxnSpPr>
+            <a:cxnSpLocks/>
+          </p:cNvCxnSpPr>
+          <p:nvPr/>
+        </p:nvCxnSpPr>
+        <p:spPr>
+          <a:xfrm flipV="1">
+            <a:off x="2054432" y="771895"/>
+            <a:ext cx="0" cy="807522"/>
+          </a:xfrm>
+          <a:prstGeom prst="line">
+            <a:avLst/>
+          </a:prstGeom>
+        </p:spPr>
+        <p:style>
+          <a:lnRef idx="1">
+            <a:schemeClr val="accent1"/>
+          </a:lnRef>
+          <a:fillRef idx="0">
+            <a:schemeClr val="accent1"/>
+          </a:fillRef>
+          <a:effectRef idx="0">
+            <a:schemeClr val="accent1"/>
+          </a:effectRef>
+          <a:fontRef idx="minor">
+            <a:schemeClr val="tx1"/>
+          </a:fontRef>
+        </p:style>
+      </p:cxnSp>
+      <p:cxnSp>
+        <p:nvCxnSpPr>
+          <p:cNvPr id="24" name="直線コネクタ 23">
+            <a:extLst>
+              <a:ext uri="{FF2B5EF4-FFF2-40B4-BE49-F238E27FC236}">
+                <a16:creationId xmlns:a16="http://schemas.microsoft.com/office/drawing/2014/main" id="{EC1CFFFB-3A80-E14A-9EF2-62E3E0500603}"/>
+              </a:ext>
+            </a:extLst>
+          </p:cNvPr>
+          <p:cNvCxnSpPr>
+            <a:cxnSpLocks/>
+          </p:cNvCxnSpPr>
+          <p:nvPr/>
+        </p:nvCxnSpPr>
+        <p:spPr>
+          <a:xfrm flipV="1">
+            <a:off x="5033159" y="781791"/>
+            <a:ext cx="0" cy="807522"/>
+          </a:xfrm>
+          <a:prstGeom prst="line">
+            <a:avLst/>
+          </a:prstGeom>
+        </p:spPr>
+        <p:style>
+          <a:lnRef idx="1">
+            <a:schemeClr val="accent1"/>
+          </a:lnRef>
+          <a:fillRef idx="0">
+            <a:schemeClr val="accent1"/>
+          </a:fillRef>
+          <a:effectRef idx="0">
+            <a:schemeClr val="accent1"/>
+          </a:effectRef>
+          <a:fontRef idx="minor">
+            <a:schemeClr val="tx1"/>
+          </a:fontRef>
+        </p:style>
+      </p:cxnSp>
+    </p:spTree>
+    <p:extLst>
+      <p:ext uri="{BB962C8B-B14F-4D97-AF65-F5344CB8AC3E}">
+        <p14:creationId xmlns:p14="http://schemas.microsoft.com/office/powerpoint/2010/main" val="1356709843"/>
+      </p:ext>
+    </p:extLst>
+  </p:cSld>
+  <p:clrMapOvr>
+    <a:masterClrMapping/>
+  </p:clrMapOvr>
+</p:sld>
+</file>
+
 <file path=ppt/theme/theme1.xml><?xml version="1.0" encoding="utf-8"?>
 <a:theme xmlns:a="http://schemas.openxmlformats.org/drawingml/2006/main" name="Office テーマ">
   <a:themeElements>

--- a/linear/fig/fig.pptx
+++ b/linear/fig/fig.pptx
@@ -243,7 +243,7 @@
           <a:p>
             <a:fld id="{2EC0F021-7DFD-498D-BCE3-EE303F1D4C84}" type="datetimeFigureOut">
               <a:rPr kumimoji="1" lang="ja-JP" altLang="en-US" smtClean="0"/>
-              <a:t>2019/5/7</a:t>
+              <a:t>2019/5/8</a:t>
             </a:fld>
             <a:endParaRPr kumimoji="1" lang="ja-JP" altLang="en-US"/>
           </a:p>
@@ -443,7 +443,7 @@
           <a:p>
             <a:fld id="{2EC0F021-7DFD-498D-BCE3-EE303F1D4C84}" type="datetimeFigureOut">
               <a:rPr kumimoji="1" lang="ja-JP" altLang="en-US" smtClean="0"/>
-              <a:t>2019/5/7</a:t>
+              <a:t>2019/5/8</a:t>
             </a:fld>
             <a:endParaRPr kumimoji="1" lang="ja-JP" altLang="en-US"/>
           </a:p>
@@ -653,7 +653,7 @@
           <a:p>
             <a:fld id="{2EC0F021-7DFD-498D-BCE3-EE303F1D4C84}" type="datetimeFigureOut">
               <a:rPr kumimoji="1" lang="ja-JP" altLang="en-US" smtClean="0"/>
-              <a:t>2019/5/7</a:t>
+              <a:t>2019/5/8</a:t>
             </a:fld>
             <a:endParaRPr kumimoji="1" lang="ja-JP" altLang="en-US"/>
           </a:p>
@@ -853,7 +853,7 @@
           <a:p>
             <a:fld id="{2EC0F021-7DFD-498D-BCE3-EE303F1D4C84}" type="datetimeFigureOut">
               <a:rPr kumimoji="1" lang="ja-JP" altLang="en-US" smtClean="0"/>
-              <a:t>2019/5/7</a:t>
+              <a:t>2019/5/8</a:t>
             </a:fld>
             <a:endParaRPr kumimoji="1" lang="ja-JP" altLang="en-US"/>
           </a:p>
@@ -1098,7 +1098,7 @@
           <a:p>
             <a:fld id="{2EC0F021-7DFD-498D-BCE3-EE303F1D4C84}" type="datetimeFigureOut">
               <a:rPr kumimoji="1" lang="ja-JP" altLang="en-US" smtClean="0"/>
-              <a:t>2019/5/7</a:t>
+              <a:t>2019/5/8</a:t>
             </a:fld>
             <a:endParaRPr kumimoji="1" lang="ja-JP" altLang="en-US"/>
           </a:p>
@@ -1391,7 +1391,7 @@
           <a:p>
             <a:fld id="{2EC0F021-7DFD-498D-BCE3-EE303F1D4C84}" type="datetimeFigureOut">
               <a:rPr kumimoji="1" lang="ja-JP" altLang="en-US" smtClean="0"/>
-              <a:t>2019/5/7</a:t>
+              <a:t>2019/5/8</a:t>
             </a:fld>
             <a:endParaRPr kumimoji="1" lang="ja-JP" altLang="en-US"/>
           </a:p>
@@ -1819,7 +1819,7 @@
           <a:p>
             <a:fld id="{2EC0F021-7DFD-498D-BCE3-EE303F1D4C84}" type="datetimeFigureOut">
               <a:rPr kumimoji="1" lang="ja-JP" altLang="en-US" smtClean="0"/>
-              <a:t>2019/5/7</a:t>
+              <a:t>2019/5/8</a:t>
             </a:fld>
             <a:endParaRPr kumimoji="1" lang="ja-JP" altLang="en-US"/>
           </a:p>
@@ -1936,7 +1936,7 @@
           <a:p>
             <a:fld id="{2EC0F021-7DFD-498D-BCE3-EE303F1D4C84}" type="datetimeFigureOut">
               <a:rPr kumimoji="1" lang="ja-JP" altLang="en-US" smtClean="0"/>
-              <a:t>2019/5/7</a:t>
+              <a:t>2019/5/8</a:t>
             </a:fld>
             <a:endParaRPr kumimoji="1" lang="ja-JP" altLang="en-US"/>
           </a:p>
@@ -2031,7 +2031,7 @@
           <a:p>
             <a:fld id="{2EC0F021-7DFD-498D-BCE3-EE303F1D4C84}" type="datetimeFigureOut">
               <a:rPr kumimoji="1" lang="ja-JP" altLang="en-US" smtClean="0"/>
-              <a:t>2019/5/7</a:t>
+              <a:t>2019/5/8</a:t>
             </a:fld>
             <a:endParaRPr kumimoji="1" lang="ja-JP" altLang="en-US"/>
           </a:p>
@@ -2338,7 +2338,7 @@
           <a:p>
             <a:fld id="{2EC0F021-7DFD-498D-BCE3-EE303F1D4C84}" type="datetimeFigureOut">
               <a:rPr kumimoji="1" lang="ja-JP" altLang="en-US" smtClean="0"/>
-              <a:t>2019/5/7</a:t>
+              <a:t>2019/5/8</a:t>
             </a:fld>
             <a:endParaRPr kumimoji="1" lang="ja-JP" altLang="en-US"/>
           </a:p>
@@ -2590,7 +2590,7 @@
           <a:p>
             <a:fld id="{2EC0F021-7DFD-498D-BCE3-EE303F1D4C84}" type="datetimeFigureOut">
               <a:rPr kumimoji="1" lang="ja-JP" altLang="en-US" smtClean="0"/>
-              <a:t>2019/5/7</a:t>
+              <a:t>2019/5/8</a:t>
             </a:fld>
             <a:endParaRPr kumimoji="1" lang="ja-JP" altLang="en-US"/>
           </a:p>
@@ -2833,7 +2833,7 @@
           <a:p>
             <a:fld id="{2EC0F021-7DFD-498D-BCE3-EE303F1D4C84}" type="datetimeFigureOut">
               <a:rPr kumimoji="1" lang="ja-JP" altLang="en-US" smtClean="0"/>
-              <a:t>2019/5/7</a:t>
+              <a:t>2019/5/8</a:t>
             </a:fld>
             <a:endParaRPr kumimoji="1" lang="ja-JP" altLang="en-US"/>
           </a:p>
@@ -3875,7 +3875,7 @@
         <p:spPr>
           <a:xfrm>
             <a:off x="2082801" y="1449987"/>
-            <a:ext cx="662361" cy="369332"/>
+            <a:ext cx="728084" cy="369332"/>
           </a:xfrm>
           <a:prstGeom prst="rect">
             <a:avLst/>
@@ -3890,7 +3890,7 @@
           <a:p>
             <a:r>
               <a:rPr kumimoji="1" lang="en-US" altLang="ja-JP" dirty="0"/>
-              <a:t>2-V</a:t>
+              <a:t>2+V</a:t>
             </a:r>
             <a:r>
               <a:rPr kumimoji="1" lang="en-US" altLang="ja-JP" sz="1400" dirty="0"/>
@@ -3952,7 +3952,7 @@
         <p:spPr>
           <a:xfrm>
             <a:off x="2648753" y="1897951"/>
-            <a:ext cx="662361" cy="369332"/>
+            <a:ext cx="728084" cy="369332"/>
           </a:xfrm>
           <a:prstGeom prst="rect">
             <a:avLst/>
@@ -3967,7 +3967,7 @@
           <a:p>
             <a:r>
               <a:rPr kumimoji="1" lang="en-US" altLang="ja-JP" dirty="0"/>
-              <a:t>2-V</a:t>
+              <a:t>2+V</a:t>
             </a:r>
             <a:r>
               <a:rPr kumimoji="1" lang="en-US" altLang="ja-JP" sz="1400" dirty="0"/>
@@ -4066,7 +4066,7 @@
         <p:spPr>
           <a:xfrm>
             <a:off x="3232728" y="2341294"/>
-            <a:ext cx="662361" cy="369332"/>
+            <a:ext cx="728084" cy="369332"/>
           </a:xfrm>
           <a:prstGeom prst="rect">
             <a:avLst/>
@@ -4081,7 +4081,7 @@
           <a:p>
             <a:r>
               <a:rPr kumimoji="1" lang="en-US" altLang="ja-JP" dirty="0"/>
-              <a:t>2-V</a:t>
+              <a:t>2+V</a:t>
             </a:r>
             <a:r>
               <a:rPr kumimoji="1" lang="en-US" altLang="ja-JP" sz="1400" dirty="0"/>
@@ -4180,7 +4180,7 @@
         <p:spPr>
           <a:xfrm>
             <a:off x="3798680" y="2789258"/>
-            <a:ext cx="662361" cy="369332"/>
+            <a:ext cx="728084" cy="369332"/>
           </a:xfrm>
           <a:prstGeom prst="rect">
             <a:avLst/>
@@ -4195,7 +4195,7 @@
           <a:p>
             <a:r>
               <a:rPr kumimoji="1" lang="en-US" altLang="ja-JP" dirty="0"/>
-              <a:t>2-V</a:t>
+              <a:t>2+V</a:t>
             </a:r>
             <a:r>
               <a:rPr kumimoji="1" lang="en-US" altLang="ja-JP" sz="1400" dirty="0"/>
@@ -4436,7 +4436,7 @@
         <p:spPr>
           <a:xfrm>
             <a:off x="6066208" y="4214919"/>
-            <a:ext cx="697627" cy="369332"/>
+            <a:ext cx="763351" cy="369332"/>
           </a:xfrm>
           <a:prstGeom prst="rect">
             <a:avLst/>
@@ -4451,7 +4451,7 @@
           <a:p>
             <a:r>
               <a:rPr kumimoji="1" lang="en-US" altLang="ja-JP" dirty="0"/>
-              <a:t>2-Vn</a:t>
+              <a:t>2+Vn</a:t>
             </a:r>
             <a:endParaRPr kumimoji="1" lang="ja-JP" altLang="en-US" dirty="0"/>
           </a:p>
@@ -4672,8 +4672,8 @@
           </a:prstGeom>
         </p:spPr>
       </p:pic>
-      <mc:AlternateContent xmlns:mc="http://schemas.openxmlformats.org/markup-compatibility/2006">
-        <mc:Choice xmlns:a14="http://schemas.microsoft.com/office/drawing/2010/main" Requires="a14">
+      <mc:AlternateContent xmlns:mc="http://schemas.openxmlformats.org/markup-compatibility/2006" xmlns:a14="http://schemas.microsoft.com/office/drawing/2010/main">
+        <mc:Choice Requires="a14">
           <p:sp>
             <p:nvSpPr>
               <p:cNvPr id="9" name="テキスト ボックス 8">
@@ -4702,6 +4702,7 @@
               </a:bodyPr>
               <a:lstStyle/>
               <a:p>
+                <a:pPr/>
                 <a14:m>
                   <m:oMathPara xmlns:m="http://schemas.openxmlformats.org/officeDocument/2006/math">
                     <m:oMathParaPr>
@@ -4741,7 +4742,7 @@
             </p:txBody>
           </p:sp>
         </mc:Choice>
-        <mc:Fallback>
+        <mc:Fallback xmlns="">
           <p:sp>
             <p:nvSpPr>
               <p:cNvPr id="9" name="テキスト ボックス 8">
@@ -4786,8 +4787,8 @@
           </p:sp>
         </mc:Fallback>
       </mc:AlternateContent>
-      <mc:AlternateContent xmlns:mc="http://schemas.openxmlformats.org/markup-compatibility/2006">
-        <mc:Choice xmlns:a14="http://schemas.microsoft.com/office/drawing/2010/main" Requires="a14">
+      <mc:AlternateContent xmlns:mc="http://schemas.openxmlformats.org/markup-compatibility/2006" xmlns:a14="http://schemas.microsoft.com/office/drawing/2010/main">
+        <mc:Choice Requires="a14">
           <p:sp>
             <p:nvSpPr>
               <p:cNvPr id="10" name="テキスト ボックス 9">
@@ -4816,6 +4817,7 @@
               </a:bodyPr>
               <a:lstStyle/>
               <a:p>
+                <a:pPr/>
                 <a14:m>
                   <m:oMathPara xmlns:m="http://schemas.openxmlformats.org/officeDocument/2006/math">
                     <m:oMathParaPr>
@@ -4855,7 +4857,7 @@
             </p:txBody>
           </p:sp>
         </mc:Choice>
-        <mc:Fallback>
+        <mc:Fallback xmlns="">
           <p:sp>
             <p:nvSpPr>
               <p:cNvPr id="10" name="テキスト ボックス 9">
@@ -4900,8 +4902,8 @@
           </p:sp>
         </mc:Fallback>
       </mc:AlternateContent>
-      <mc:AlternateContent xmlns:mc="http://schemas.openxmlformats.org/markup-compatibility/2006">
-        <mc:Choice xmlns:a14="http://schemas.microsoft.com/office/drawing/2010/main" Requires="a14">
+      <mc:AlternateContent xmlns:mc="http://schemas.openxmlformats.org/markup-compatibility/2006" xmlns:a14="http://schemas.microsoft.com/office/drawing/2010/main">
+        <mc:Choice Requires="a14">
           <p:sp>
             <p:nvSpPr>
               <p:cNvPr id="11" name="テキスト ボックス 10">
@@ -4930,6 +4932,7 @@
               </a:bodyPr>
               <a:lstStyle/>
               <a:p>
+                <a:pPr/>
                 <a14:m>
                   <m:oMathPara xmlns:m="http://schemas.openxmlformats.org/officeDocument/2006/math">
                     <m:oMathParaPr>
@@ -4975,7 +4978,7 @@
             </p:txBody>
           </p:sp>
         </mc:Choice>
-        <mc:Fallback>
+        <mc:Fallback xmlns="">
           <p:sp>
             <p:nvSpPr>
               <p:cNvPr id="11" name="テキスト ボックス 10">
